--- a/CONCORRENZA.pptx
+++ b/CONCORRENZA.pptx
@@ -97,7 +97,7 @@
         <p:spPr>
           <a:xfrm>
             <a:off x="504000" y="226080"/>
-            <a:ext cx="9071640" cy="946080"/>
+            <a:ext cx="9071280" cy="945720"/>
           </a:xfrm>
           <a:prstGeom prst="rect">
             <a:avLst/>
@@ -210,7 +210,7 @@
         <p:spPr>
           <a:xfrm>
             <a:off x="504000" y="226080"/>
-            <a:ext cx="9071640" cy="946080"/>
+            <a:ext cx="9071280" cy="945720"/>
           </a:xfrm>
           <a:prstGeom prst="rect">
             <a:avLst/>
@@ -383,7 +383,7 @@
         <p:spPr>
           <a:xfrm>
             <a:off x="504000" y="226080"/>
-            <a:ext cx="9071640" cy="946080"/>
+            <a:ext cx="9071280" cy="945720"/>
           </a:xfrm>
           <a:prstGeom prst="rect">
             <a:avLst/>
@@ -638,7 +638,7 @@
         <p:spPr>
           <a:xfrm>
             <a:off x="504000" y="226080"/>
-            <a:ext cx="9071640" cy="946080"/>
+            <a:ext cx="9071280" cy="945720"/>
           </a:xfrm>
           <a:prstGeom prst="rect">
             <a:avLst/>
@@ -722,7 +722,7 @@
         <p:spPr>
           <a:xfrm>
             <a:off x="504000" y="226080"/>
-            <a:ext cx="9071640" cy="946080"/>
+            <a:ext cx="9071280" cy="945720"/>
           </a:xfrm>
           <a:prstGeom prst="rect">
             <a:avLst/>
@@ -805,7 +805,7 @@
         <p:spPr>
           <a:xfrm>
             <a:off x="504000" y="226080"/>
-            <a:ext cx="9071640" cy="946080"/>
+            <a:ext cx="9071280" cy="945720"/>
           </a:xfrm>
           <a:prstGeom prst="rect">
             <a:avLst/>
@@ -918,7 +918,7 @@
         <p:spPr>
           <a:xfrm>
             <a:off x="504000" y="226080"/>
-            <a:ext cx="9071640" cy="946080"/>
+            <a:ext cx="9071280" cy="945720"/>
           </a:xfrm>
           <a:prstGeom prst="rect">
             <a:avLst/>
@@ -971,7 +971,7 @@
         <p:spPr>
           <a:xfrm>
             <a:off x="504000" y="226080"/>
-            <a:ext cx="9071640" cy="4386600"/>
+            <a:ext cx="9071280" cy="4385160"/>
           </a:xfrm>
           <a:prstGeom prst="rect">
             <a:avLst/>
@@ -1024,7 +1024,7 @@
         <p:spPr>
           <a:xfrm>
             <a:off x="504000" y="226080"/>
-            <a:ext cx="9071640" cy="946080"/>
+            <a:ext cx="9071280" cy="945720"/>
           </a:xfrm>
           <a:prstGeom prst="rect">
             <a:avLst/>
@@ -1167,7 +1167,7 @@
         <p:spPr>
           <a:xfrm>
             <a:off x="504000" y="226080"/>
-            <a:ext cx="9071640" cy="946080"/>
+            <a:ext cx="9071280" cy="945720"/>
           </a:xfrm>
           <a:prstGeom prst="rect">
             <a:avLst/>
@@ -1251,7 +1251,7 @@
         <p:spPr>
           <a:xfrm>
             <a:off x="504000" y="226080"/>
-            <a:ext cx="9071640" cy="946080"/>
+            <a:ext cx="9071280" cy="945720"/>
           </a:xfrm>
           <a:prstGeom prst="rect">
             <a:avLst/>
@@ -1394,7 +1394,7 @@
         <p:spPr>
           <a:xfrm>
             <a:off x="504000" y="226080"/>
-            <a:ext cx="9071640" cy="946080"/>
+            <a:ext cx="9071280" cy="945720"/>
           </a:xfrm>
           <a:prstGeom prst="rect">
             <a:avLst/>
@@ -1537,7 +1537,7 @@
         <p:spPr>
           <a:xfrm>
             <a:off x="504000" y="226080"/>
-            <a:ext cx="9071640" cy="946080"/>
+            <a:ext cx="9071280" cy="945720"/>
           </a:xfrm>
           <a:prstGeom prst="rect">
             <a:avLst/>
@@ -1650,7 +1650,7 @@
         <p:spPr>
           <a:xfrm>
             <a:off x="504000" y="226080"/>
-            <a:ext cx="9071640" cy="946080"/>
+            <a:ext cx="9071280" cy="945720"/>
           </a:xfrm>
           <a:prstGeom prst="rect">
             <a:avLst/>
@@ -1823,7 +1823,7 @@
         <p:spPr>
           <a:xfrm>
             <a:off x="504000" y="226080"/>
-            <a:ext cx="9071640" cy="946080"/>
+            <a:ext cx="9071280" cy="945720"/>
           </a:xfrm>
           <a:prstGeom prst="rect">
             <a:avLst/>
@@ -2078,7 +2078,7 @@
         <p:spPr>
           <a:xfrm>
             <a:off x="504000" y="226080"/>
-            <a:ext cx="9071640" cy="946080"/>
+            <a:ext cx="9071280" cy="945720"/>
           </a:xfrm>
           <a:prstGeom prst="rect">
             <a:avLst/>
@@ -2162,7 +2162,7 @@
         <p:spPr>
           <a:xfrm>
             <a:off x="504000" y="226080"/>
-            <a:ext cx="9071640" cy="946080"/>
+            <a:ext cx="9071280" cy="945720"/>
           </a:xfrm>
           <a:prstGeom prst="rect">
             <a:avLst/>
@@ -2245,7 +2245,7 @@
         <p:spPr>
           <a:xfrm>
             <a:off x="504000" y="226080"/>
-            <a:ext cx="9071640" cy="946080"/>
+            <a:ext cx="9071280" cy="945720"/>
           </a:xfrm>
           <a:prstGeom prst="rect">
             <a:avLst/>
@@ -2358,7 +2358,7 @@
         <p:spPr>
           <a:xfrm>
             <a:off x="504000" y="226080"/>
-            <a:ext cx="9071640" cy="946080"/>
+            <a:ext cx="9071280" cy="945720"/>
           </a:xfrm>
           <a:prstGeom prst="rect">
             <a:avLst/>
@@ -2411,7 +2411,7 @@
         <p:spPr>
           <a:xfrm>
             <a:off x="504000" y="226080"/>
-            <a:ext cx="9071640" cy="946080"/>
+            <a:ext cx="9071280" cy="945720"/>
           </a:xfrm>
           <a:prstGeom prst="rect">
             <a:avLst/>
@@ -2494,7 +2494,7 @@
         <p:spPr>
           <a:xfrm>
             <a:off x="504000" y="226080"/>
-            <a:ext cx="9071640" cy="4386600"/>
+            <a:ext cx="9071280" cy="4385160"/>
           </a:xfrm>
           <a:prstGeom prst="rect">
             <a:avLst/>
@@ -2547,7 +2547,7 @@
         <p:spPr>
           <a:xfrm>
             <a:off x="504000" y="226080"/>
-            <a:ext cx="9071640" cy="946080"/>
+            <a:ext cx="9071280" cy="945720"/>
           </a:xfrm>
           <a:prstGeom prst="rect">
             <a:avLst/>
@@ -2690,7 +2690,7 @@
         <p:spPr>
           <a:xfrm>
             <a:off x="504000" y="226080"/>
-            <a:ext cx="9071640" cy="946080"/>
+            <a:ext cx="9071280" cy="945720"/>
           </a:xfrm>
           <a:prstGeom prst="rect">
             <a:avLst/>
@@ -2833,7 +2833,7 @@
         <p:spPr>
           <a:xfrm>
             <a:off x="504000" y="226080"/>
-            <a:ext cx="9071640" cy="946080"/>
+            <a:ext cx="9071280" cy="945720"/>
           </a:xfrm>
           <a:prstGeom prst="rect">
             <a:avLst/>
@@ -2976,7 +2976,7 @@
         <p:spPr>
           <a:xfrm>
             <a:off x="504000" y="226080"/>
-            <a:ext cx="9071640" cy="946080"/>
+            <a:ext cx="9071280" cy="945720"/>
           </a:xfrm>
           <a:prstGeom prst="rect">
             <a:avLst/>
@@ -3089,7 +3089,7 @@
         <p:spPr>
           <a:xfrm>
             <a:off x="504000" y="226080"/>
-            <a:ext cx="9071640" cy="946080"/>
+            <a:ext cx="9071280" cy="945720"/>
           </a:xfrm>
           <a:prstGeom prst="rect">
             <a:avLst/>
@@ -3262,7 +3262,7 @@
         <p:spPr>
           <a:xfrm>
             <a:off x="504000" y="226080"/>
-            <a:ext cx="9071640" cy="946080"/>
+            <a:ext cx="9071280" cy="945720"/>
           </a:xfrm>
           <a:prstGeom prst="rect">
             <a:avLst/>
@@ -3517,7 +3517,7 @@
         <p:spPr>
           <a:xfrm>
             <a:off x="504000" y="226080"/>
-            <a:ext cx="9071640" cy="946080"/>
+            <a:ext cx="9071280" cy="945720"/>
           </a:xfrm>
           <a:prstGeom prst="rect">
             <a:avLst/>
@@ -3601,7 +3601,7 @@
         <p:spPr>
           <a:xfrm>
             <a:off x="504000" y="226080"/>
-            <a:ext cx="9071640" cy="946080"/>
+            <a:ext cx="9071280" cy="945720"/>
           </a:xfrm>
           <a:prstGeom prst="rect">
             <a:avLst/>
@@ -3684,7 +3684,7 @@
         <p:spPr>
           <a:xfrm>
             <a:off x="504000" y="226080"/>
-            <a:ext cx="9071640" cy="946080"/>
+            <a:ext cx="9071280" cy="945720"/>
           </a:xfrm>
           <a:prstGeom prst="rect">
             <a:avLst/>
@@ -3797,7 +3797,7 @@
         <p:spPr>
           <a:xfrm>
             <a:off x="504000" y="226080"/>
-            <a:ext cx="9071640" cy="946080"/>
+            <a:ext cx="9071280" cy="945720"/>
           </a:xfrm>
           <a:prstGeom prst="rect">
             <a:avLst/>
@@ -3910,7 +3910,7 @@
         <p:spPr>
           <a:xfrm>
             <a:off x="504000" y="226080"/>
-            <a:ext cx="9071640" cy="946080"/>
+            <a:ext cx="9071280" cy="945720"/>
           </a:xfrm>
           <a:prstGeom prst="rect">
             <a:avLst/>
@@ -3963,7 +3963,7 @@
         <p:spPr>
           <a:xfrm>
             <a:off x="504000" y="226080"/>
-            <a:ext cx="9071640" cy="4386600"/>
+            <a:ext cx="9071280" cy="4385160"/>
           </a:xfrm>
           <a:prstGeom prst="rect">
             <a:avLst/>
@@ -4016,7 +4016,7 @@
         <p:spPr>
           <a:xfrm>
             <a:off x="504000" y="226080"/>
-            <a:ext cx="9071640" cy="946080"/>
+            <a:ext cx="9071280" cy="945720"/>
           </a:xfrm>
           <a:prstGeom prst="rect">
             <a:avLst/>
@@ -4159,7 +4159,7 @@
         <p:spPr>
           <a:xfrm>
             <a:off x="504000" y="226080"/>
-            <a:ext cx="9071640" cy="946080"/>
+            <a:ext cx="9071280" cy="945720"/>
           </a:xfrm>
           <a:prstGeom prst="rect">
             <a:avLst/>
@@ -4302,7 +4302,7 @@
         <p:spPr>
           <a:xfrm>
             <a:off x="504000" y="226080"/>
-            <a:ext cx="9071640" cy="946080"/>
+            <a:ext cx="9071280" cy="945720"/>
           </a:xfrm>
           <a:prstGeom prst="rect">
             <a:avLst/>
@@ -4445,7 +4445,7 @@
         <p:spPr>
           <a:xfrm>
             <a:off x="504000" y="226080"/>
-            <a:ext cx="9071640" cy="946080"/>
+            <a:ext cx="9071280" cy="945720"/>
           </a:xfrm>
           <a:prstGeom prst="rect">
             <a:avLst/>
@@ -4558,7 +4558,7 @@
         <p:spPr>
           <a:xfrm>
             <a:off x="504000" y="226080"/>
-            <a:ext cx="9071640" cy="946080"/>
+            <a:ext cx="9071280" cy="945720"/>
           </a:xfrm>
           <a:prstGeom prst="rect">
             <a:avLst/>
@@ -4731,7 +4731,7 @@
         <p:spPr>
           <a:xfrm>
             <a:off x="504000" y="226080"/>
-            <a:ext cx="9071640" cy="946080"/>
+            <a:ext cx="9071280" cy="945720"/>
           </a:xfrm>
           <a:prstGeom prst="rect">
             <a:avLst/>
@@ -4964,7 +4964,7 @@
         <p:spPr>
           <a:xfrm>
             <a:off x="504000" y="226080"/>
-            <a:ext cx="9071640" cy="946080"/>
+            <a:ext cx="9071280" cy="945720"/>
           </a:xfrm>
           <a:prstGeom prst="rect">
             <a:avLst/>
@@ -5017,7 +5017,7 @@
         <p:spPr>
           <a:xfrm>
             <a:off x="504000" y="226080"/>
-            <a:ext cx="9071640" cy="4386600"/>
+            <a:ext cx="9071280" cy="4385160"/>
           </a:xfrm>
           <a:prstGeom prst="rect">
             <a:avLst/>
@@ -5070,7 +5070,7 @@
         <p:spPr>
           <a:xfrm>
             <a:off x="504000" y="226080"/>
-            <a:ext cx="9071640" cy="946080"/>
+            <a:ext cx="9071280" cy="945720"/>
           </a:xfrm>
           <a:prstGeom prst="rect">
             <a:avLst/>
@@ -5213,7 +5213,7 @@
         <p:spPr>
           <a:xfrm>
             <a:off x="504000" y="226080"/>
-            <a:ext cx="9071640" cy="946080"/>
+            <a:ext cx="9071280" cy="945720"/>
           </a:xfrm>
           <a:prstGeom prst="rect">
             <a:avLst/>
@@ -5356,7 +5356,7 @@
         <p:spPr>
           <a:xfrm>
             <a:off x="504000" y="226080"/>
-            <a:ext cx="9071640" cy="946080"/>
+            <a:ext cx="9071280" cy="945720"/>
           </a:xfrm>
           <a:prstGeom prst="rect">
             <a:avLst/>
@@ -6258,7 +6258,7 @@
         <p:spPr>
           <a:xfrm>
             <a:off x="504000" y="226080"/>
-            <a:ext cx="9071640" cy="946080"/>
+            <a:ext cx="9071280" cy="945720"/>
           </a:xfrm>
           <a:prstGeom prst="rect">
             <a:avLst/>
@@ -6506,7 +6506,7 @@
         <p:spPr>
           <a:xfrm>
             <a:off x="504000" y="226080"/>
-            <a:ext cx="9069120" cy="943920"/>
+            <a:ext cx="9068760" cy="943560"/>
           </a:xfrm>
           <a:prstGeom prst="rect">
             <a:avLst/>
@@ -6607,7 +6607,7 @@
         <p:spPr>
           <a:xfrm>
             <a:off x="504000" y="74160"/>
-            <a:ext cx="9069120" cy="1248120"/>
+            <a:ext cx="9068760" cy="1247760"/>
           </a:xfrm>
           <a:prstGeom prst="rect">
             <a:avLst/>
@@ -6658,7 +6658,7 @@
         <p:spPr>
           <a:xfrm>
             <a:off x="504000" y="1322640"/>
-            <a:ext cx="5037840" cy="3509280"/>
+            <a:ext cx="5037480" cy="3508920"/>
           </a:xfrm>
           <a:prstGeom prst="rect">
             <a:avLst/>
@@ -7215,7 +7215,7 @@
         <p:spPr>
           <a:xfrm>
             <a:off x="4104720" y="1512720"/>
-            <a:ext cx="4894560" cy="3166560"/>
+            <a:ext cx="4894200" cy="3166200"/>
           </a:xfrm>
           <a:prstGeom prst="rect">
             <a:avLst/>
@@ -7316,7 +7316,7 @@
         <p:spPr>
           <a:xfrm>
             <a:off x="504000" y="74160"/>
-            <a:ext cx="9069120" cy="1248120"/>
+            <a:ext cx="9068760" cy="1247760"/>
           </a:xfrm>
           <a:prstGeom prst="rect">
             <a:avLst/>
@@ -7367,7 +7367,7 @@
         <p:spPr>
           <a:xfrm>
             <a:off x="504000" y="1368000"/>
-            <a:ext cx="5037840" cy="3509280"/>
+            <a:ext cx="5037480" cy="3508920"/>
           </a:xfrm>
           <a:prstGeom prst="rect">
             <a:avLst/>
@@ -7924,7 +7924,7 @@
         <p:spPr>
           <a:xfrm>
             <a:off x="4968000" y="1710720"/>
-            <a:ext cx="4894560" cy="3166560"/>
+            <a:ext cx="4894200" cy="3166200"/>
           </a:xfrm>
           <a:prstGeom prst="rect">
             <a:avLst/>
@@ -8076,7 +8076,7 @@
         <p:spPr>
           <a:xfrm>
             <a:off x="1296000" y="2520000"/>
-            <a:ext cx="2375280" cy="719280"/>
+            <a:ext cx="2374920" cy="718920"/>
           </a:xfrm>
           <a:prstGeom prst="rect">
             <a:avLst/>
@@ -8134,7 +8134,7 @@
         <p:spPr>
           <a:xfrm>
             <a:off x="504000" y="74160"/>
-            <a:ext cx="9069120" cy="1248120"/>
+            <a:ext cx="9068760" cy="1247760"/>
           </a:xfrm>
           <a:prstGeom prst="rect">
             <a:avLst/>
@@ -8185,7 +8185,7 @@
         <p:spPr>
           <a:xfrm>
             <a:off x="504000" y="1368000"/>
-            <a:ext cx="5037840" cy="3509280"/>
+            <a:ext cx="5037480" cy="3508920"/>
           </a:xfrm>
           <a:prstGeom prst="rect">
             <a:avLst/>
@@ -8742,7 +8742,7 @@
         <p:spPr>
           <a:xfrm>
             <a:off x="4104720" y="1512720"/>
-            <a:ext cx="4894560" cy="3166560"/>
+            <a:ext cx="4894200" cy="3166200"/>
           </a:xfrm>
           <a:prstGeom prst="rect">
             <a:avLst/>
@@ -8926,7 +8926,7 @@
         <p:spPr>
           <a:xfrm>
             <a:off x="1296000" y="2520000"/>
-            <a:ext cx="2375280" cy="719280"/>
+            <a:ext cx="2374920" cy="718920"/>
           </a:xfrm>
           <a:prstGeom prst="rect">
             <a:avLst/>
@@ -8954,7 +8954,7 @@
         <p:spPr>
           <a:xfrm>
             <a:off x="1368000" y="3888000"/>
-            <a:ext cx="2375280" cy="719280"/>
+            <a:ext cx="2374920" cy="718920"/>
           </a:xfrm>
           <a:prstGeom prst="rect">
             <a:avLst/>
@@ -9041,7 +9041,7 @@
         <p:spPr>
           <a:xfrm>
             <a:off x="504000" y="74160"/>
-            <a:ext cx="9069120" cy="1248120"/>
+            <a:ext cx="9068760" cy="1247760"/>
           </a:xfrm>
           <a:prstGeom prst="rect">
             <a:avLst/>
@@ -9092,7 +9092,7 @@
         <p:spPr>
           <a:xfrm>
             <a:off x="504000" y="1368000"/>
-            <a:ext cx="5037840" cy="3911760"/>
+            <a:ext cx="5037480" cy="3911400"/>
           </a:xfrm>
           <a:prstGeom prst="rect">
             <a:avLst/>
@@ -9811,7 +9811,7 @@
         <p:spPr>
           <a:xfrm>
             <a:off x="4966200" y="1684440"/>
-            <a:ext cx="4894560" cy="3166560"/>
+            <a:ext cx="4894200" cy="3166200"/>
           </a:xfrm>
           <a:prstGeom prst="rect">
             <a:avLst/>
@@ -9974,7 +9974,7 @@
         <p:spPr>
           <a:xfrm>
             <a:off x="1440000" y="2952360"/>
-            <a:ext cx="2375280" cy="719280"/>
+            <a:ext cx="2374920" cy="718920"/>
           </a:xfrm>
           <a:prstGeom prst="rect">
             <a:avLst/>
@@ -10002,7 +10002,7 @@
         <p:spPr>
           <a:xfrm>
             <a:off x="1440360" y="4320000"/>
-            <a:ext cx="2375280" cy="719280"/>
+            <a:ext cx="2374920" cy="718920"/>
           </a:xfrm>
           <a:prstGeom prst="rect">
             <a:avLst/>
@@ -10118,7 +10118,7 @@
         <p:spPr>
           <a:xfrm>
             <a:off x="1008000" y="648000"/>
-            <a:ext cx="8802360" cy="4952520"/>
+            <a:ext cx="8802000" cy="4952160"/>
           </a:xfrm>
           <a:prstGeom prst="rect">
             <a:avLst/>
@@ -10529,7 +10529,7 @@
         <p:spPr>
           <a:xfrm>
             <a:off x="504000" y="226080"/>
-            <a:ext cx="9070920" cy="945360"/>
+            <a:ext cx="9070560" cy="945000"/>
           </a:xfrm>
           <a:prstGeom prst="rect">
             <a:avLst/>
@@ -10580,7 +10580,7 @@
         <p:spPr>
           <a:xfrm>
             <a:off x="720000" y="1440000"/>
-            <a:ext cx="3959640" cy="1881000"/>
+            <a:ext cx="3959280" cy="1880640"/>
           </a:xfrm>
           <a:prstGeom prst="rect">
             <a:avLst/>
@@ -10801,7 +10801,7 @@
         <p:spPr>
           <a:xfrm>
             <a:off x="3384000" y="3528000"/>
-            <a:ext cx="2375640" cy="1367640"/>
+            <a:ext cx="2375280" cy="1367280"/>
           </a:xfrm>
           <a:prstGeom prst="rect">
             <a:avLst/>
@@ -10827,7 +10827,7 @@
         <p:spPr>
           <a:xfrm>
             <a:off x="3456000" y="2772000"/>
-            <a:ext cx="3448440" cy="1015200"/>
+            <a:ext cx="3448080" cy="1014840"/>
           </a:xfrm>
           <a:prstGeom prst="rect">
             <a:avLst/>
@@ -10859,6 +10859,7 @@
                   <a:srgbClr val="000000"/>
                 </a:solidFill>
                 <a:latin typeface="Times New Roman"/>
+                <a:ea typeface="DejaVu Sans"/>
               </a:rPr>
               <a:t>// codice eseguito da thread 2</a:t>
             </a:r>
@@ -10957,7 +10958,7 @@
         <p:spPr>
           <a:xfrm>
             <a:off x="432000" y="4032000"/>
-            <a:ext cx="8135640" cy="857880"/>
+            <a:ext cx="8135280" cy="857520"/>
           </a:xfrm>
           <a:prstGeom prst="rect">
             <a:avLst/>
@@ -10985,7 +10986,11 @@
             </a:pPr>
             <a:r>
               <a:rPr b="0" lang="it-IT" sz="1800" spc="-1" strike="noStrike">
+                <a:solidFill>
+                  <a:srgbClr val="000000"/>
+                </a:solidFill>
                 <a:latin typeface="Arial"/>
+                <a:ea typeface="DejaVu Sans"/>
               </a:rPr>
               <a:t>Non basta che solo uno di questi blocchi sia synchronized perché il codice sia sicuro! Anche il blocco che assegna ad A il valore 0 deve essere synchronized per garantire la mutua esclusione.</a:t>
             </a:r>
@@ -11034,7 +11039,7 @@
         <p:spPr>
           <a:xfrm>
             <a:off x="144000" y="333720"/>
-            <a:ext cx="9071640" cy="1249920"/>
+            <a:ext cx="9071280" cy="1249560"/>
           </a:xfrm>
           <a:prstGeom prst="rect">
             <a:avLst/>
@@ -11062,7 +11067,11 @@
             </a:pPr>
             <a:r>
               <a:rPr b="0" lang="it-IT" sz="4400" spc="-1" strike="noStrike">
+                <a:solidFill>
+                  <a:srgbClr val="000000"/>
+                </a:solidFill>
                 <a:latin typeface="Arial"/>
+                <a:ea typeface="DejaVu Sans"/>
               </a:rPr>
               <a:t>Esempi con accesso a variabili condivise da parte di più thread</a:t>
             </a:r>
@@ -11081,7 +11090,7 @@
         <p:spPr>
           <a:xfrm>
             <a:off x="1116000" y="1837800"/>
-            <a:ext cx="7055640" cy="2649600"/>
+            <a:ext cx="7055280" cy="2649240"/>
           </a:xfrm>
           <a:prstGeom prst="rect">
             <a:avLst/>
@@ -11112,7 +11121,7 @@
             </a:endParaRPr>
           </a:p>
           <a:p>
-            <a:pPr marL="216000" indent="-215640">
+            <a:pPr marL="216000" indent="-215280">
               <a:lnSpc>
                 <a:spcPct val="100000"/>
               </a:lnSpc>
@@ -11130,9 +11139,10 @@
                 </a:solidFill>
                 <a:uFillTx/>
                 <a:latin typeface="Arial"/>
+                <a:ea typeface="DejaVu Sans"/>
                 <a:hlinkClick r:id="rId1"/>
               </a:rPr>
-              <a:t>Variabile Contatore</a:t>
+              <a:t>Incremento Contatore</a:t>
             </a:r>
             <a:r>
               <a:rPr b="0" lang="it-IT" sz="1800" spc="-1" strike="noStrike">
@@ -11140,6 +11150,7 @@
                   <a:srgbClr val="0000ff"/>
                 </a:solidFill>
                 <a:latin typeface="Arial"/>
+                <a:ea typeface="DejaVu Sans"/>
               </a:rPr>
               <a:t>: accesso condiviso a una variabile contatore incrementata da più thread concorrentemente;</a:t>
             </a:r>
@@ -11148,7 +11159,7 @@
             </a:endParaRPr>
           </a:p>
           <a:p>
-            <a:pPr marL="216000" indent="-215640">
+            <a:pPr marL="216000" indent="-215280">
               <a:lnSpc>
                 <a:spcPct val="100000"/>
               </a:lnSpc>
@@ -11166,6 +11177,7 @@
                 </a:solidFill>
                 <a:uFillTx/>
                 <a:latin typeface="Arial"/>
+                <a:ea typeface="DejaVu Sans"/>
                 <a:hlinkClick r:id="rId2"/>
               </a:rPr>
               <a:t>Trasferimento bonifico</a:t>
@@ -11176,6 +11188,7 @@
                   <a:srgbClr val="0000ff"/>
                 </a:solidFill>
                 <a:latin typeface="Arial"/>
+                <a:ea typeface="DejaVu Sans"/>
               </a:rPr>
               <a:t>: esempio di operazioni di trasferimento valori che rappresentano conti bancari in modo concorrente;</a:t>
             </a:r>
@@ -11184,7 +11197,7 @@
             </a:endParaRPr>
           </a:p>
           <a:p>
-            <a:pPr marL="216000" indent="-215640">
+            <a:pPr marL="216000" indent="-215280">
               <a:lnSpc>
                 <a:spcPct val="100000"/>
               </a:lnSpc>
@@ -11202,6 +11215,7 @@
                 </a:solidFill>
                 <a:uFillTx/>
                 <a:latin typeface="Arial"/>
+                <a:ea typeface="DejaVu Sans"/>
                 <a:hlinkClick r:id="rId3"/>
               </a:rPr>
               <a:t>Calcolo dei Numeri Primi</a:t>
@@ -11212,6 +11226,7 @@
                   <a:srgbClr val="0000ff"/>
                 </a:solidFill>
                 <a:latin typeface="Arial"/>
+                <a:ea typeface="DejaVu Sans"/>
               </a:rPr>
               <a:t>: utilizzo di più thread per eseguire il calcolo sul numero di numeri primi in un certo range di interi;</a:t>
             </a:r>
@@ -11230,7 +11245,7 @@
         <p:spPr>
           <a:xfrm>
             <a:off x="3168000" y="4536000"/>
-            <a:ext cx="244440" cy="345960"/>
+            <a:ext cx="244080" cy="345600"/>
           </a:xfrm>
           <a:prstGeom prst="rect">
             <a:avLst/>
@@ -11258,7 +11273,11 @@
             </a:pPr>
             <a:r>
               <a:rPr b="0" lang="it-IT" sz="1800" spc="-1" strike="noStrike">
+                <a:solidFill>
+                  <a:srgbClr val="000000"/>
+                </a:solidFill>
                 <a:latin typeface="Arial"/>
+                <a:ea typeface="DejaVu Sans"/>
               </a:rPr>
               <a:t> </a:t>
             </a:r>
@@ -11307,7 +11326,7 @@
         <p:spPr>
           <a:xfrm>
             <a:off x="504000" y="226080"/>
-            <a:ext cx="9069120" cy="943920"/>
+            <a:ext cx="9068760" cy="943560"/>
           </a:xfrm>
           <a:prstGeom prst="rect">
             <a:avLst/>
@@ -11358,7 +11377,7 @@
         <p:spPr>
           <a:xfrm>
             <a:off x="504000" y="1326600"/>
-            <a:ext cx="3381480" cy="2990880"/>
+            <a:ext cx="3381120" cy="2990520"/>
           </a:xfrm>
           <a:prstGeom prst="rect">
             <a:avLst/>
@@ -11741,7 +11760,7 @@
         <p:spPr>
           <a:xfrm>
             <a:off x="3744000" y="1172520"/>
-            <a:ext cx="6189480" cy="4080960"/>
+            <a:ext cx="6189120" cy="4080600"/>
           </a:xfrm>
           <a:prstGeom prst="rect">
             <a:avLst/>
@@ -12102,7 +12121,7 @@
         <p:spPr>
           <a:xfrm>
             <a:off x="375120" y="216000"/>
-            <a:ext cx="7255440" cy="4113720"/>
+            <a:ext cx="7255080" cy="4113360"/>
           </a:xfrm>
           <a:prstGeom prst="rect">
             <a:avLst/>
@@ -12857,7 +12876,7 @@
         <p:spPr>
           <a:xfrm>
             <a:off x="216000" y="4176000"/>
-            <a:ext cx="9286560" cy="790560"/>
+            <a:ext cx="9286200" cy="790200"/>
           </a:xfrm>
           <a:prstGeom prst="rect">
             <a:avLst/>
@@ -12998,7 +13017,7 @@
         <p:spPr>
           <a:xfrm>
             <a:off x="144000" y="218520"/>
-            <a:ext cx="9790560" cy="3702600"/>
+            <a:ext cx="9790200" cy="3702240"/>
           </a:xfrm>
           <a:prstGeom prst="rect">
             <a:avLst/>
@@ -13758,7 +13777,7 @@
         <p:spPr>
           <a:xfrm>
             <a:off x="1224000" y="3960000"/>
-            <a:ext cx="5758560" cy="1112760"/>
+            <a:ext cx="5758200" cy="1112400"/>
           </a:xfrm>
           <a:prstGeom prst="rect">
             <a:avLst/>
@@ -13879,7 +13898,7 @@
         <p:spPr>
           <a:xfrm>
             <a:off x="144000" y="4824000"/>
-            <a:ext cx="8710560" cy="600840"/>
+            <a:ext cx="8710200" cy="600480"/>
           </a:xfrm>
           <a:prstGeom prst="rect">
             <a:avLst/>
@@ -13960,7 +13979,7 @@
         <p:spPr>
           <a:xfrm>
             <a:off x="504000" y="226080"/>
-            <a:ext cx="9069120" cy="943920"/>
+            <a:ext cx="9068760" cy="943560"/>
           </a:xfrm>
           <a:prstGeom prst="rect">
             <a:avLst/>
@@ -13986,7 +14005,7 @@
         <p:spPr>
           <a:xfrm>
             <a:off x="504000" y="1326600"/>
-            <a:ext cx="9069120" cy="3285720"/>
+            <a:ext cx="9068760" cy="3285360"/>
           </a:xfrm>
           <a:prstGeom prst="rect">
             <a:avLst/>
@@ -14012,7 +14031,7 @@
         <p:spPr>
           <a:xfrm>
             <a:off x="0" y="73440"/>
-            <a:ext cx="9725040" cy="5253840"/>
+            <a:ext cx="9724680" cy="5253480"/>
           </a:xfrm>
           <a:prstGeom prst="rect">
             <a:avLst/>
@@ -14585,7 +14604,7 @@
         <p:spPr>
           <a:xfrm>
             <a:off x="288000" y="360000"/>
-            <a:ext cx="9491760" cy="2231280"/>
+            <a:ext cx="9491400" cy="2230920"/>
           </a:xfrm>
           <a:prstGeom prst="rect">
             <a:avLst/>
@@ -14738,7 +14757,7 @@
         <p:spPr>
           <a:xfrm>
             <a:off x="504000" y="74160"/>
-            <a:ext cx="9069120" cy="1248120"/>
+            <a:ext cx="9068760" cy="1247760"/>
           </a:xfrm>
           <a:prstGeom prst="rect">
             <a:avLst/>
@@ -14789,7 +14808,7 @@
         <p:spPr>
           <a:xfrm>
             <a:off x="432000" y="1224000"/>
-            <a:ext cx="5037840" cy="3021840"/>
+            <a:ext cx="5037480" cy="3021480"/>
           </a:xfrm>
           <a:prstGeom prst="rect">
             <a:avLst/>
@@ -15192,7 +15211,7 @@
         <p:spPr>
           <a:xfrm>
             <a:off x="288000" y="4176000"/>
-            <a:ext cx="9430200" cy="1221840"/>
+            <a:ext cx="9429840" cy="1221480"/>
           </a:xfrm>
           <a:prstGeom prst="rect">
             <a:avLst/>
@@ -15293,7 +15312,7 @@
         <p:spPr>
           <a:xfrm>
             <a:off x="504000" y="74160"/>
-            <a:ext cx="9069120" cy="1248120"/>
+            <a:ext cx="9068760" cy="1247760"/>
           </a:xfrm>
           <a:prstGeom prst="rect">
             <a:avLst/>
@@ -15344,7 +15363,7 @@
         <p:spPr>
           <a:xfrm>
             <a:off x="432000" y="1224000"/>
-            <a:ext cx="5037840" cy="3021840"/>
+            <a:ext cx="5037480" cy="3021480"/>
           </a:xfrm>
           <a:prstGeom prst="rect">
             <a:avLst/>
@@ -15747,7 +15766,7 @@
         <p:spPr>
           <a:xfrm>
             <a:off x="273240" y="3960000"/>
-            <a:ext cx="9430200" cy="1221840"/>
+            <a:ext cx="9429840" cy="1221480"/>
           </a:xfrm>
           <a:prstGeom prst="rect">
             <a:avLst/>
@@ -15828,7 +15847,7 @@
         <p:spPr>
           <a:xfrm>
             <a:off x="1337400" y="209160"/>
-            <a:ext cx="9069120" cy="1248120"/>
+            <a:ext cx="9068760" cy="1247760"/>
           </a:xfrm>
           <a:prstGeom prst="rect">
             <a:avLst/>
@@ -15879,7 +15898,7 @@
         <p:spPr>
           <a:xfrm>
             <a:off x="504000" y="1368000"/>
-            <a:ext cx="5037840" cy="861840"/>
+            <a:ext cx="5037480" cy="861480"/>
           </a:xfrm>
           <a:prstGeom prst="rect">
             <a:avLst/>
@@ -15980,7 +15999,7 @@
         <p:spPr>
           <a:xfrm>
             <a:off x="216000" y="2160000"/>
-            <a:ext cx="9645840" cy="3237840"/>
+            <a:ext cx="9645480" cy="3237480"/>
           </a:xfrm>
           <a:prstGeom prst="rect">
             <a:avLst/>
@@ -16131,7 +16150,7 @@
         <p:spPr>
           <a:xfrm>
             <a:off x="3168000" y="3024000"/>
-            <a:ext cx="5037840" cy="1437840"/>
+            <a:ext cx="5037480" cy="1437480"/>
           </a:xfrm>
           <a:prstGeom prst="rect">
             <a:avLst/>

--- a/CONCORRENZA.pptx
+++ b/CONCORRENZA.pptx
@@ -97,7 +97,7 @@
         <p:spPr>
           <a:xfrm>
             <a:off x="504000" y="226080"/>
-            <a:ext cx="9071280" cy="945720"/>
+            <a:ext cx="9070920" cy="945360"/>
           </a:xfrm>
           <a:prstGeom prst="rect">
             <a:avLst/>
@@ -210,7 +210,7 @@
         <p:spPr>
           <a:xfrm>
             <a:off x="504000" y="226080"/>
-            <a:ext cx="9071280" cy="945720"/>
+            <a:ext cx="9070920" cy="945360"/>
           </a:xfrm>
           <a:prstGeom prst="rect">
             <a:avLst/>
@@ -383,7 +383,7 @@
         <p:spPr>
           <a:xfrm>
             <a:off x="504000" y="226080"/>
-            <a:ext cx="9071280" cy="945720"/>
+            <a:ext cx="9070920" cy="945360"/>
           </a:xfrm>
           <a:prstGeom prst="rect">
             <a:avLst/>
@@ -638,7 +638,7 @@
         <p:spPr>
           <a:xfrm>
             <a:off x="504000" y="226080"/>
-            <a:ext cx="9071280" cy="945720"/>
+            <a:ext cx="9070920" cy="945360"/>
           </a:xfrm>
           <a:prstGeom prst="rect">
             <a:avLst/>
@@ -722,7 +722,7 @@
         <p:spPr>
           <a:xfrm>
             <a:off x="504000" y="226080"/>
-            <a:ext cx="9071280" cy="945720"/>
+            <a:ext cx="9070920" cy="945360"/>
           </a:xfrm>
           <a:prstGeom prst="rect">
             <a:avLst/>
@@ -805,7 +805,7 @@
         <p:spPr>
           <a:xfrm>
             <a:off x="504000" y="226080"/>
-            <a:ext cx="9071280" cy="945720"/>
+            <a:ext cx="9070920" cy="945360"/>
           </a:xfrm>
           <a:prstGeom prst="rect">
             <a:avLst/>
@@ -918,7 +918,7 @@
         <p:spPr>
           <a:xfrm>
             <a:off x="504000" y="226080"/>
-            <a:ext cx="9071280" cy="945720"/>
+            <a:ext cx="9070920" cy="945360"/>
           </a:xfrm>
           <a:prstGeom prst="rect">
             <a:avLst/>
@@ -971,7 +971,7 @@
         <p:spPr>
           <a:xfrm>
             <a:off x="504000" y="226080"/>
-            <a:ext cx="9071280" cy="4385160"/>
+            <a:ext cx="9070920" cy="4383360"/>
           </a:xfrm>
           <a:prstGeom prst="rect">
             <a:avLst/>
@@ -1024,7 +1024,7 @@
         <p:spPr>
           <a:xfrm>
             <a:off x="504000" y="226080"/>
-            <a:ext cx="9071280" cy="945720"/>
+            <a:ext cx="9070920" cy="945360"/>
           </a:xfrm>
           <a:prstGeom prst="rect">
             <a:avLst/>
@@ -1167,7 +1167,7 @@
         <p:spPr>
           <a:xfrm>
             <a:off x="504000" y="226080"/>
-            <a:ext cx="9071280" cy="945720"/>
+            <a:ext cx="9070920" cy="945360"/>
           </a:xfrm>
           <a:prstGeom prst="rect">
             <a:avLst/>
@@ -1251,7 +1251,7 @@
         <p:spPr>
           <a:xfrm>
             <a:off x="504000" y="226080"/>
-            <a:ext cx="9071280" cy="945720"/>
+            <a:ext cx="9070920" cy="945360"/>
           </a:xfrm>
           <a:prstGeom prst="rect">
             <a:avLst/>
@@ -1394,7 +1394,7 @@
         <p:spPr>
           <a:xfrm>
             <a:off x="504000" y="226080"/>
-            <a:ext cx="9071280" cy="945720"/>
+            <a:ext cx="9070920" cy="945360"/>
           </a:xfrm>
           <a:prstGeom prst="rect">
             <a:avLst/>
@@ -1537,7 +1537,7 @@
         <p:spPr>
           <a:xfrm>
             <a:off x="504000" y="226080"/>
-            <a:ext cx="9071280" cy="945720"/>
+            <a:ext cx="9070920" cy="945360"/>
           </a:xfrm>
           <a:prstGeom prst="rect">
             <a:avLst/>
@@ -1650,7 +1650,7 @@
         <p:spPr>
           <a:xfrm>
             <a:off x="504000" y="226080"/>
-            <a:ext cx="9071280" cy="945720"/>
+            <a:ext cx="9070920" cy="945360"/>
           </a:xfrm>
           <a:prstGeom prst="rect">
             <a:avLst/>
@@ -1823,7 +1823,7 @@
         <p:spPr>
           <a:xfrm>
             <a:off x="504000" y="226080"/>
-            <a:ext cx="9071280" cy="945720"/>
+            <a:ext cx="9070920" cy="945360"/>
           </a:xfrm>
           <a:prstGeom prst="rect">
             <a:avLst/>
@@ -2078,7 +2078,7 @@
         <p:spPr>
           <a:xfrm>
             <a:off x="504000" y="226080"/>
-            <a:ext cx="9071280" cy="945720"/>
+            <a:ext cx="9070920" cy="945360"/>
           </a:xfrm>
           <a:prstGeom prst="rect">
             <a:avLst/>
@@ -2162,7 +2162,7 @@
         <p:spPr>
           <a:xfrm>
             <a:off x="504000" y="226080"/>
-            <a:ext cx="9071280" cy="945720"/>
+            <a:ext cx="9070920" cy="945360"/>
           </a:xfrm>
           <a:prstGeom prst="rect">
             <a:avLst/>
@@ -2245,7 +2245,7 @@
         <p:spPr>
           <a:xfrm>
             <a:off x="504000" y="226080"/>
-            <a:ext cx="9071280" cy="945720"/>
+            <a:ext cx="9070920" cy="945360"/>
           </a:xfrm>
           <a:prstGeom prst="rect">
             <a:avLst/>
@@ -2358,7 +2358,7 @@
         <p:spPr>
           <a:xfrm>
             <a:off x="504000" y="226080"/>
-            <a:ext cx="9071280" cy="945720"/>
+            <a:ext cx="9070920" cy="945360"/>
           </a:xfrm>
           <a:prstGeom prst="rect">
             <a:avLst/>
@@ -2411,7 +2411,7 @@
         <p:spPr>
           <a:xfrm>
             <a:off x="504000" y="226080"/>
-            <a:ext cx="9071280" cy="945720"/>
+            <a:ext cx="9070920" cy="945360"/>
           </a:xfrm>
           <a:prstGeom prst="rect">
             <a:avLst/>
@@ -2494,7 +2494,7 @@
         <p:spPr>
           <a:xfrm>
             <a:off x="504000" y="226080"/>
-            <a:ext cx="9071280" cy="4385160"/>
+            <a:ext cx="9070920" cy="4383360"/>
           </a:xfrm>
           <a:prstGeom prst="rect">
             <a:avLst/>
@@ -2547,7 +2547,7 @@
         <p:spPr>
           <a:xfrm>
             <a:off x="504000" y="226080"/>
-            <a:ext cx="9071280" cy="945720"/>
+            <a:ext cx="9070920" cy="945360"/>
           </a:xfrm>
           <a:prstGeom prst="rect">
             <a:avLst/>
@@ -2690,7 +2690,7 @@
         <p:spPr>
           <a:xfrm>
             <a:off x="504000" y="226080"/>
-            <a:ext cx="9071280" cy="945720"/>
+            <a:ext cx="9070920" cy="945360"/>
           </a:xfrm>
           <a:prstGeom prst="rect">
             <a:avLst/>
@@ -2833,7 +2833,7 @@
         <p:spPr>
           <a:xfrm>
             <a:off x="504000" y="226080"/>
-            <a:ext cx="9071280" cy="945720"/>
+            <a:ext cx="9070920" cy="945360"/>
           </a:xfrm>
           <a:prstGeom prst="rect">
             <a:avLst/>
@@ -2976,7 +2976,7 @@
         <p:spPr>
           <a:xfrm>
             <a:off x="504000" y="226080"/>
-            <a:ext cx="9071280" cy="945720"/>
+            <a:ext cx="9070920" cy="945360"/>
           </a:xfrm>
           <a:prstGeom prst="rect">
             <a:avLst/>
@@ -3089,7 +3089,7 @@
         <p:spPr>
           <a:xfrm>
             <a:off x="504000" y="226080"/>
-            <a:ext cx="9071280" cy="945720"/>
+            <a:ext cx="9070920" cy="945360"/>
           </a:xfrm>
           <a:prstGeom prst="rect">
             <a:avLst/>
@@ -3262,7 +3262,7 @@
         <p:spPr>
           <a:xfrm>
             <a:off x="504000" y="226080"/>
-            <a:ext cx="9071280" cy="945720"/>
+            <a:ext cx="9070920" cy="945360"/>
           </a:xfrm>
           <a:prstGeom prst="rect">
             <a:avLst/>
@@ -3517,7 +3517,7 @@
         <p:spPr>
           <a:xfrm>
             <a:off x="504000" y="226080"/>
-            <a:ext cx="9071280" cy="945720"/>
+            <a:ext cx="9070920" cy="945360"/>
           </a:xfrm>
           <a:prstGeom prst="rect">
             <a:avLst/>
@@ -3601,7 +3601,7 @@
         <p:spPr>
           <a:xfrm>
             <a:off x="504000" y="226080"/>
-            <a:ext cx="9071280" cy="945720"/>
+            <a:ext cx="9070920" cy="945360"/>
           </a:xfrm>
           <a:prstGeom prst="rect">
             <a:avLst/>
@@ -3684,7 +3684,7 @@
         <p:spPr>
           <a:xfrm>
             <a:off x="504000" y="226080"/>
-            <a:ext cx="9071280" cy="945720"/>
+            <a:ext cx="9070920" cy="945360"/>
           </a:xfrm>
           <a:prstGeom prst="rect">
             <a:avLst/>
@@ -3797,7 +3797,7 @@
         <p:spPr>
           <a:xfrm>
             <a:off x="504000" y="226080"/>
-            <a:ext cx="9071280" cy="945720"/>
+            <a:ext cx="9070920" cy="945360"/>
           </a:xfrm>
           <a:prstGeom prst="rect">
             <a:avLst/>
@@ -3910,7 +3910,7 @@
         <p:spPr>
           <a:xfrm>
             <a:off x="504000" y="226080"/>
-            <a:ext cx="9071280" cy="945720"/>
+            <a:ext cx="9070920" cy="945360"/>
           </a:xfrm>
           <a:prstGeom prst="rect">
             <a:avLst/>
@@ -3963,7 +3963,7 @@
         <p:spPr>
           <a:xfrm>
             <a:off x="504000" y="226080"/>
-            <a:ext cx="9071280" cy="4385160"/>
+            <a:ext cx="9070920" cy="4383360"/>
           </a:xfrm>
           <a:prstGeom prst="rect">
             <a:avLst/>
@@ -4016,7 +4016,7 @@
         <p:spPr>
           <a:xfrm>
             <a:off x="504000" y="226080"/>
-            <a:ext cx="9071280" cy="945720"/>
+            <a:ext cx="9070920" cy="945360"/>
           </a:xfrm>
           <a:prstGeom prst="rect">
             <a:avLst/>
@@ -4159,7 +4159,7 @@
         <p:spPr>
           <a:xfrm>
             <a:off x="504000" y="226080"/>
-            <a:ext cx="9071280" cy="945720"/>
+            <a:ext cx="9070920" cy="945360"/>
           </a:xfrm>
           <a:prstGeom prst="rect">
             <a:avLst/>
@@ -4302,7 +4302,7 @@
         <p:spPr>
           <a:xfrm>
             <a:off x="504000" y="226080"/>
-            <a:ext cx="9071280" cy="945720"/>
+            <a:ext cx="9070920" cy="945360"/>
           </a:xfrm>
           <a:prstGeom prst="rect">
             <a:avLst/>
@@ -4445,7 +4445,7 @@
         <p:spPr>
           <a:xfrm>
             <a:off x="504000" y="226080"/>
-            <a:ext cx="9071280" cy="945720"/>
+            <a:ext cx="9070920" cy="945360"/>
           </a:xfrm>
           <a:prstGeom prst="rect">
             <a:avLst/>
@@ -4558,7 +4558,7 @@
         <p:spPr>
           <a:xfrm>
             <a:off x="504000" y="226080"/>
-            <a:ext cx="9071280" cy="945720"/>
+            <a:ext cx="9070920" cy="945360"/>
           </a:xfrm>
           <a:prstGeom prst="rect">
             <a:avLst/>
@@ -4731,7 +4731,7 @@
         <p:spPr>
           <a:xfrm>
             <a:off x="504000" y="226080"/>
-            <a:ext cx="9071280" cy="945720"/>
+            <a:ext cx="9070920" cy="945360"/>
           </a:xfrm>
           <a:prstGeom prst="rect">
             <a:avLst/>
@@ -4964,7 +4964,7 @@
         <p:spPr>
           <a:xfrm>
             <a:off x="504000" y="226080"/>
-            <a:ext cx="9071280" cy="945720"/>
+            <a:ext cx="9070920" cy="945360"/>
           </a:xfrm>
           <a:prstGeom prst="rect">
             <a:avLst/>
@@ -5017,7 +5017,7 @@
         <p:spPr>
           <a:xfrm>
             <a:off x="504000" y="226080"/>
-            <a:ext cx="9071280" cy="4385160"/>
+            <a:ext cx="9070920" cy="4383360"/>
           </a:xfrm>
           <a:prstGeom prst="rect">
             <a:avLst/>
@@ -5070,7 +5070,7 @@
         <p:spPr>
           <a:xfrm>
             <a:off x="504000" y="226080"/>
-            <a:ext cx="9071280" cy="945720"/>
+            <a:ext cx="9070920" cy="945360"/>
           </a:xfrm>
           <a:prstGeom prst="rect">
             <a:avLst/>
@@ -5213,7 +5213,7 @@
         <p:spPr>
           <a:xfrm>
             <a:off x="504000" y="226080"/>
-            <a:ext cx="9071280" cy="945720"/>
+            <a:ext cx="9070920" cy="945360"/>
           </a:xfrm>
           <a:prstGeom prst="rect">
             <a:avLst/>
@@ -5356,7 +5356,7 @@
         <p:spPr>
           <a:xfrm>
             <a:off x="504000" y="226080"/>
-            <a:ext cx="9071280" cy="945720"/>
+            <a:ext cx="9070920" cy="945360"/>
           </a:xfrm>
           <a:prstGeom prst="rect">
             <a:avLst/>
@@ -6258,7 +6258,7 @@
         <p:spPr>
           <a:xfrm>
             <a:off x="504000" y="226080"/>
-            <a:ext cx="9071280" cy="945720"/>
+            <a:ext cx="9070920" cy="945360"/>
           </a:xfrm>
           <a:prstGeom prst="rect">
             <a:avLst/>
@@ -6506,7 +6506,7 @@
         <p:spPr>
           <a:xfrm>
             <a:off x="504000" y="226080"/>
-            <a:ext cx="9068760" cy="943560"/>
+            <a:ext cx="9068400" cy="943200"/>
           </a:xfrm>
           <a:prstGeom prst="rect">
             <a:avLst/>
@@ -6560,7 +6560,7 @@
                 <a:latin typeface="Arial"/>
                 <a:ea typeface="DejaVu Sans"/>
               </a:rPr>
-              <a:t>Ver 0.1</a:t>
+              <a:t>Ver 07022023</a:t>
             </a:r>
             <a:endParaRPr b="0" lang="it-IT" sz="1000" spc="-1" strike="noStrike">
               <a:latin typeface="Arial"/>
@@ -6607,7 +6607,7 @@
         <p:spPr>
           <a:xfrm>
             <a:off x="504000" y="74160"/>
-            <a:ext cx="9068760" cy="1247760"/>
+            <a:ext cx="9068400" cy="1247400"/>
           </a:xfrm>
           <a:prstGeom prst="rect">
             <a:avLst/>
@@ -6658,7 +6658,7 @@
         <p:spPr>
           <a:xfrm>
             <a:off x="504000" y="1322640"/>
-            <a:ext cx="5037480" cy="3508920"/>
+            <a:ext cx="5037120" cy="3508560"/>
           </a:xfrm>
           <a:prstGeom prst="rect">
             <a:avLst/>
@@ -7215,7 +7215,7 @@
         <p:spPr>
           <a:xfrm>
             <a:off x="4104720" y="1512720"/>
-            <a:ext cx="4894200" cy="3166200"/>
+            <a:ext cx="4893840" cy="3165840"/>
           </a:xfrm>
           <a:prstGeom prst="rect">
             <a:avLst/>
@@ -7316,7 +7316,7 @@
         <p:spPr>
           <a:xfrm>
             <a:off x="504000" y="74160"/>
-            <a:ext cx="9068760" cy="1247760"/>
+            <a:ext cx="9068400" cy="1247400"/>
           </a:xfrm>
           <a:prstGeom prst="rect">
             <a:avLst/>
@@ -7367,7 +7367,7 @@
         <p:spPr>
           <a:xfrm>
             <a:off x="504000" y="1368000"/>
-            <a:ext cx="5037480" cy="3508920"/>
+            <a:ext cx="5037120" cy="3508560"/>
           </a:xfrm>
           <a:prstGeom prst="rect">
             <a:avLst/>
@@ -7924,7 +7924,7 @@
         <p:spPr>
           <a:xfrm>
             <a:off x="4968000" y="1710720"/>
-            <a:ext cx="4894200" cy="3166200"/>
+            <a:ext cx="4893840" cy="3165840"/>
           </a:xfrm>
           <a:prstGeom prst="rect">
             <a:avLst/>
@@ -8076,7 +8076,7 @@
         <p:spPr>
           <a:xfrm>
             <a:off x="1296000" y="2520000"/>
-            <a:ext cx="2374920" cy="718920"/>
+            <a:ext cx="2374560" cy="718560"/>
           </a:xfrm>
           <a:prstGeom prst="rect">
             <a:avLst/>
@@ -8134,7 +8134,7 @@
         <p:spPr>
           <a:xfrm>
             <a:off x="504000" y="74160"/>
-            <a:ext cx="9068760" cy="1247760"/>
+            <a:ext cx="9068400" cy="1247400"/>
           </a:xfrm>
           <a:prstGeom prst="rect">
             <a:avLst/>
@@ -8185,7 +8185,7 @@
         <p:spPr>
           <a:xfrm>
             <a:off x="504000" y="1368000"/>
-            <a:ext cx="5037480" cy="3508920"/>
+            <a:ext cx="5037120" cy="3508560"/>
           </a:xfrm>
           <a:prstGeom prst="rect">
             <a:avLst/>
@@ -8742,7 +8742,7 @@
         <p:spPr>
           <a:xfrm>
             <a:off x="4104720" y="1512720"/>
-            <a:ext cx="4894200" cy="3166200"/>
+            <a:ext cx="4893840" cy="3165840"/>
           </a:xfrm>
           <a:prstGeom prst="rect">
             <a:avLst/>
@@ -8926,7 +8926,7 @@
         <p:spPr>
           <a:xfrm>
             <a:off x="1296000" y="2520000"/>
-            <a:ext cx="2374920" cy="718920"/>
+            <a:ext cx="2374560" cy="718560"/>
           </a:xfrm>
           <a:prstGeom prst="rect">
             <a:avLst/>
@@ -8954,7 +8954,7 @@
         <p:spPr>
           <a:xfrm>
             <a:off x="1368000" y="3888000"/>
-            <a:ext cx="2374920" cy="718920"/>
+            <a:ext cx="2374560" cy="718560"/>
           </a:xfrm>
           <a:prstGeom prst="rect">
             <a:avLst/>
@@ -9041,7 +9041,7 @@
         <p:spPr>
           <a:xfrm>
             <a:off x="504000" y="74160"/>
-            <a:ext cx="9068760" cy="1247760"/>
+            <a:ext cx="9068400" cy="1247400"/>
           </a:xfrm>
           <a:prstGeom prst="rect">
             <a:avLst/>
@@ -9092,7 +9092,7 @@
         <p:spPr>
           <a:xfrm>
             <a:off x="504000" y="1368000"/>
-            <a:ext cx="5037480" cy="3911400"/>
+            <a:ext cx="5037120" cy="3911040"/>
           </a:xfrm>
           <a:prstGeom prst="rect">
             <a:avLst/>
@@ -9811,7 +9811,7 @@
         <p:spPr>
           <a:xfrm>
             <a:off x="4966200" y="1684440"/>
-            <a:ext cx="4894200" cy="3166200"/>
+            <a:ext cx="4893840" cy="3165840"/>
           </a:xfrm>
           <a:prstGeom prst="rect">
             <a:avLst/>
@@ -9974,7 +9974,7 @@
         <p:spPr>
           <a:xfrm>
             <a:off x="1440000" y="2952360"/>
-            <a:ext cx="2374920" cy="718920"/>
+            <a:ext cx="2374560" cy="718560"/>
           </a:xfrm>
           <a:prstGeom prst="rect">
             <a:avLst/>
@@ -10002,7 +10002,7 @@
         <p:spPr>
           <a:xfrm>
             <a:off x="1440360" y="4320000"/>
-            <a:ext cx="2374920" cy="718920"/>
+            <a:ext cx="2374560" cy="718560"/>
           </a:xfrm>
           <a:prstGeom prst="rect">
             <a:avLst/>
@@ -10118,7 +10118,7 @@
         <p:spPr>
           <a:xfrm>
             <a:off x="1008000" y="648000"/>
-            <a:ext cx="8802000" cy="4952160"/>
+            <a:ext cx="8801640" cy="4951800"/>
           </a:xfrm>
           <a:prstGeom prst="rect">
             <a:avLst/>
@@ -10529,7 +10529,7 @@
         <p:spPr>
           <a:xfrm>
             <a:off x="504000" y="226080"/>
-            <a:ext cx="9070560" cy="945000"/>
+            <a:ext cx="9070200" cy="944640"/>
           </a:xfrm>
           <a:prstGeom prst="rect">
             <a:avLst/>
@@ -10580,7 +10580,7 @@
         <p:spPr>
           <a:xfrm>
             <a:off x="720000" y="1440000"/>
-            <a:ext cx="3959280" cy="1880640"/>
+            <a:ext cx="3958920" cy="1880280"/>
           </a:xfrm>
           <a:prstGeom prst="rect">
             <a:avLst/>
@@ -10801,7 +10801,7 @@
         <p:spPr>
           <a:xfrm>
             <a:off x="3384000" y="3528000"/>
-            <a:ext cx="2375280" cy="1367280"/>
+            <a:ext cx="2374920" cy="1366920"/>
           </a:xfrm>
           <a:prstGeom prst="rect">
             <a:avLst/>
@@ -10827,7 +10827,7 @@
         <p:spPr>
           <a:xfrm>
             <a:off x="3456000" y="2772000"/>
-            <a:ext cx="3448080" cy="1014840"/>
+            <a:ext cx="3447720" cy="1014480"/>
           </a:xfrm>
           <a:prstGeom prst="rect">
             <a:avLst/>
@@ -10958,7 +10958,7 @@
         <p:spPr>
           <a:xfrm>
             <a:off x="432000" y="4032000"/>
-            <a:ext cx="8135280" cy="857520"/>
+            <a:ext cx="8134920" cy="857160"/>
           </a:xfrm>
           <a:prstGeom prst="rect">
             <a:avLst/>
@@ -11039,7 +11039,7 @@
         <p:spPr>
           <a:xfrm>
             <a:off x="144000" y="333720"/>
-            <a:ext cx="9071280" cy="1249560"/>
+            <a:ext cx="9070920" cy="1249200"/>
           </a:xfrm>
           <a:prstGeom prst="rect">
             <a:avLst/>
@@ -11090,7 +11090,7 @@
         <p:spPr>
           <a:xfrm>
             <a:off x="1116000" y="1837800"/>
-            <a:ext cx="7055280" cy="2649240"/>
+            <a:ext cx="7054920" cy="2648880"/>
           </a:xfrm>
           <a:prstGeom prst="rect">
             <a:avLst/>
@@ -11121,7 +11121,7 @@
             </a:endParaRPr>
           </a:p>
           <a:p>
-            <a:pPr marL="216000" indent="-215280">
+            <a:pPr marL="216000" indent="-214920">
               <a:lnSpc>
                 <a:spcPct val="100000"/>
               </a:lnSpc>
@@ -11159,7 +11159,7 @@
             </a:endParaRPr>
           </a:p>
           <a:p>
-            <a:pPr marL="216000" indent="-215280">
+            <a:pPr marL="216000" indent="-214920">
               <a:lnSpc>
                 <a:spcPct val="100000"/>
               </a:lnSpc>
@@ -11197,7 +11197,7 @@
             </a:endParaRPr>
           </a:p>
           <a:p>
-            <a:pPr marL="216000" indent="-215280">
+            <a:pPr marL="216000" indent="-214920">
               <a:lnSpc>
                 <a:spcPct val="100000"/>
               </a:lnSpc>
@@ -11245,7 +11245,7 @@
         <p:spPr>
           <a:xfrm>
             <a:off x="3168000" y="4536000"/>
-            <a:ext cx="244080" cy="345600"/>
+            <a:ext cx="243720" cy="345240"/>
           </a:xfrm>
           <a:prstGeom prst="rect">
             <a:avLst/>
@@ -11326,7 +11326,7 @@
         <p:spPr>
           <a:xfrm>
             <a:off x="504000" y="226080"/>
-            <a:ext cx="9068760" cy="943560"/>
+            <a:ext cx="9068400" cy="943200"/>
           </a:xfrm>
           <a:prstGeom prst="rect">
             <a:avLst/>
@@ -11377,7 +11377,7 @@
         <p:spPr>
           <a:xfrm>
             <a:off x="504000" y="1326600"/>
-            <a:ext cx="3381120" cy="2990520"/>
+            <a:ext cx="3380760" cy="2990160"/>
           </a:xfrm>
           <a:prstGeom prst="rect">
             <a:avLst/>
@@ -11760,7 +11760,7 @@
         <p:spPr>
           <a:xfrm>
             <a:off x="3744000" y="1172520"/>
-            <a:ext cx="6189120" cy="4080600"/>
+            <a:ext cx="6188760" cy="4080240"/>
           </a:xfrm>
           <a:prstGeom prst="rect">
             <a:avLst/>
@@ -12121,7 +12121,7 @@
         <p:spPr>
           <a:xfrm>
             <a:off x="375120" y="216000"/>
-            <a:ext cx="7255080" cy="4113360"/>
+            <a:ext cx="7254720" cy="4113000"/>
           </a:xfrm>
           <a:prstGeom prst="rect">
             <a:avLst/>
@@ -12876,7 +12876,7 @@
         <p:spPr>
           <a:xfrm>
             <a:off x="216000" y="4176000"/>
-            <a:ext cx="9286200" cy="790200"/>
+            <a:ext cx="9285840" cy="789840"/>
           </a:xfrm>
           <a:prstGeom prst="rect">
             <a:avLst/>
@@ -13017,7 +13017,7 @@
         <p:spPr>
           <a:xfrm>
             <a:off x="144000" y="218520"/>
-            <a:ext cx="9790200" cy="3702240"/>
+            <a:ext cx="9789840" cy="3701880"/>
           </a:xfrm>
           <a:prstGeom prst="rect">
             <a:avLst/>
@@ -13777,7 +13777,7 @@
         <p:spPr>
           <a:xfrm>
             <a:off x="1224000" y="3960000"/>
-            <a:ext cx="5758200" cy="1112400"/>
+            <a:ext cx="5757840" cy="1112040"/>
           </a:xfrm>
           <a:prstGeom prst="rect">
             <a:avLst/>
@@ -13898,7 +13898,7 @@
         <p:spPr>
           <a:xfrm>
             <a:off x="144000" y="4824000"/>
-            <a:ext cx="8710200" cy="600480"/>
+            <a:ext cx="8709840" cy="600120"/>
           </a:xfrm>
           <a:prstGeom prst="rect">
             <a:avLst/>
@@ -13979,7 +13979,7 @@
         <p:spPr>
           <a:xfrm>
             <a:off x="504000" y="226080"/>
-            <a:ext cx="9068760" cy="943560"/>
+            <a:ext cx="9068400" cy="943200"/>
           </a:xfrm>
           <a:prstGeom prst="rect">
             <a:avLst/>
@@ -14005,7 +14005,7 @@
         <p:spPr>
           <a:xfrm>
             <a:off x="504000" y="1326600"/>
-            <a:ext cx="9068760" cy="3285360"/>
+            <a:ext cx="9068400" cy="3285000"/>
           </a:xfrm>
           <a:prstGeom prst="rect">
             <a:avLst/>
@@ -14031,7 +14031,7 @@
         <p:spPr>
           <a:xfrm>
             <a:off x="0" y="73440"/>
-            <a:ext cx="9724680" cy="5253480"/>
+            <a:ext cx="9724320" cy="5253120"/>
           </a:xfrm>
           <a:prstGeom prst="rect">
             <a:avLst/>
@@ -14604,7 +14604,7 @@
         <p:spPr>
           <a:xfrm>
             <a:off x="288000" y="360000"/>
-            <a:ext cx="9491400" cy="2230920"/>
+            <a:ext cx="9491040" cy="2230560"/>
           </a:xfrm>
           <a:prstGeom prst="rect">
             <a:avLst/>
@@ -14757,7 +14757,7 @@
         <p:spPr>
           <a:xfrm>
             <a:off x="504000" y="74160"/>
-            <a:ext cx="9068760" cy="1247760"/>
+            <a:ext cx="9068400" cy="1247400"/>
           </a:xfrm>
           <a:prstGeom prst="rect">
             <a:avLst/>
@@ -14808,7 +14808,7 @@
         <p:spPr>
           <a:xfrm>
             <a:off x="432000" y="1224000"/>
-            <a:ext cx="5037480" cy="3021480"/>
+            <a:ext cx="5037120" cy="3021120"/>
           </a:xfrm>
           <a:prstGeom prst="rect">
             <a:avLst/>
@@ -15211,7 +15211,7 @@
         <p:spPr>
           <a:xfrm>
             <a:off x="288000" y="4176000"/>
-            <a:ext cx="9429840" cy="1221480"/>
+            <a:ext cx="9429480" cy="1221120"/>
           </a:xfrm>
           <a:prstGeom prst="rect">
             <a:avLst/>
@@ -15312,7 +15312,7 @@
         <p:spPr>
           <a:xfrm>
             <a:off x="504000" y="74160"/>
-            <a:ext cx="9068760" cy="1247760"/>
+            <a:ext cx="9068400" cy="1247400"/>
           </a:xfrm>
           <a:prstGeom prst="rect">
             <a:avLst/>
@@ -15363,7 +15363,7 @@
         <p:spPr>
           <a:xfrm>
             <a:off x="432000" y="1224000"/>
-            <a:ext cx="5037480" cy="3021480"/>
+            <a:ext cx="5037120" cy="3021120"/>
           </a:xfrm>
           <a:prstGeom prst="rect">
             <a:avLst/>
@@ -15766,7 +15766,7 @@
         <p:spPr>
           <a:xfrm>
             <a:off x="273240" y="3960000"/>
-            <a:ext cx="9429840" cy="1221480"/>
+            <a:ext cx="9429480" cy="1221120"/>
           </a:xfrm>
           <a:prstGeom prst="rect">
             <a:avLst/>
@@ -15847,7 +15847,7 @@
         <p:spPr>
           <a:xfrm>
             <a:off x="1337400" y="209160"/>
-            <a:ext cx="9068760" cy="1247760"/>
+            <a:ext cx="9068400" cy="1247400"/>
           </a:xfrm>
           <a:prstGeom prst="rect">
             <a:avLst/>
@@ -15898,7 +15898,7 @@
         <p:spPr>
           <a:xfrm>
             <a:off x="504000" y="1368000"/>
-            <a:ext cx="5037480" cy="861480"/>
+            <a:ext cx="5037120" cy="861120"/>
           </a:xfrm>
           <a:prstGeom prst="rect">
             <a:avLst/>
@@ -15999,7 +15999,7 @@
         <p:spPr>
           <a:xfrm>
             <a:off x="216000" y="2160000"/>
-            <a:ext cx="9645480" cy="3237480"/>
+            <a:ext cx="9645120" cy="3237120"/>
           </a:xfrm>
           <a:prstGeom prst="rect">
             <a:avLst/>
@@ -16150,7 +16150,7 @@
         <p:spPr>
           <a:xfrm>
             <a:off x="3168000" y="3024000"/>
-            <a:ext cx="5037480" cy="1437480"/>
+            <a:ext cx="5037120" cy="1437120"/>
           </a:xfrm>
           <a:prstGeom prst="rect">
             <a:avLst/>

--- a/CONCORRENZA.pptx
+++ b/CONCORRENZA.pptx
@@ -97,7 +97,7 @@
         <p:spPr>
           <a:xfrm>
             <a:off x="504000" y="226080"/>
-            <a:ext cx="9070920" cy="945360"/>
+            <a:ext cx="9070560" cy="945000"/>
           </a:xfrm>
           <a:prstGeom prst="rect">
             <a:avLst/>
@@ -210,7 +210,7 @@
         <p:spPr>
           <a:xfrm>
             <a:off x="504000" y="226080"/>
-            <a:ext cx="9070920" cy="945360"/>
+            <a:ext cx="9070560" cy="945000"/>
           </a:xfrm>
           <a:prstGeom prst="rect">
             <a:avLst/>
@@ -383,7 +383,7 @@
         <p:spPr>
           <a:xfrm>
             <a:off x="504000" y="226080"/>
-            <a:ext cx="9070920" cy="945360"/>
+            <a:ext cx="9070560" cy="945000"/>
           </a:xfrm>
           <a:prstGeom prst="rect">
             <a:avLst/>
@@ -638,7 +638,7 @@
         <p:spPr>
           <a:xfrm>
             <a:off x="504000" y="226080"/>
-            <a:ext cx="9070920" cy="945360"/>
+            <a:ext cx="9070560" cy="945000"/>
           </a:xfrm>
           <a:prstGeom prst="rect">
             <a:avLst/>
@@ -722,7 +722,7 @@
         <p:spPr>
           <a:xfrm>
             <a:off x="504000" y="226080"/>
-            <a:ext cx="9070920" cy="945360"/>
+            <a:ext cx="9070560" cy="945000"/>
           </a:xfrm>
           <a:prstGeom prst="rect">
             <a:avLst/>
@@ -805,7 +805,7 @@
         <p:spPr>
           <a:xfrm>
             <a:off x="504000" y="226080"/>
-            <a:ext cx="9070920" cy="945360"/>
+            <a:ext cx="9070560" cy="945000"/>
           </a:xfrm>
           <a:prstGeom prst="rect">
             <a:avLst/>
@@ -918,7 +918,7 @@
         <p:spPr>
           <a:xfrm>
             <a:off x="504000" y="226080"/>
-            <a:ext cx="9070920" cy="945360"/>
+            <a:ext cx="9070560" cy="945000"/>
           </a:xfrm>
           <a:prstGeom prst="rect">
             <a:avLst/>
@@ -971,7 +971,7 @@
         <p:spPr>
           <a:xfrm>
             <a:off x="504000" y="226080"/>
-            <a:ext cx="9070920" cy="4383360"/>
+            <a:ext cx="9070560" cy="4381920"/>
           </a:xfrm>
           <a:prstGeom prst="rect">
             <a:avLst/>
@@ -1024,7 +1024,7 @@
         <p:spPr>
           <a:xfrm>
             <a:off x="504000" y="226080"/>
-            <a:ext cx="9070920" cy="945360"/>
+            <a:ext cx="9070560" cy="945000"/>
           </a:xfrm>
           <a:prstGeom prst="rect">
             <a:avLst/>
@@ -1167,7 +1167,7 @@
         <p:spPr>
           <a:xfrm>
             <a:off x="504000" y="226080"/>
-            <a:ext cx="9070920" cy="945360"/>
+            <a:ext cx="9070560" cy="945000"/>
           </a:xfrm>
           <a:prstGeom prst="rect">
             <a:avLst/>
@@ -1251,7 +1251,7 @@
         <p:spPr>
           <a:xfrm>
             <a:off x="504000" y="226080"/>
-            <a:ext cx="9070920" cy="945360"/>
+            <a:ext cx="9070560" cy="945000"/>
           </a:xfrm>
           <a:prstGeom prst="rect">
             <a:avLst/>
@@ -1394,7 +1394,7 @@
         <p:spPr>
           <a:xfrm>
             <a:off x="504000" y="226080"/>
-            <a:ext cx="9070920" cy="945360"/>
+            <a:ext cx="9070560" cy="945000"/>
           </a:xfrm>
           <a:prstGeom prst="rect">
             <a:avLst/>
@@ -1537,7 +1537,7 @@
         <p:spPr>
           <a:xfrm>
             <a:off x="504000" y="226080"/>
-            <a:ext cx="9070920" cy="945360"/>
+            <a:ext cx="9070560" cy="945000"/>
           </a:xfrm>
           <a:prstGeom prst="rect">
             <a:avLst/>
@@ -1650,7 +1650,7 @@
         <p:spPr>
           <a:xfrm>
             <a:off x="504000" y="226080"/>
-            <a:ext cx="9070920" cy="945360"/>
+            <a:ext cx="9070560" cy="945000"/>
           </a:xfrm>
           <a:prstGeom prst="rect">
             <a:avLst/>
@@ -1823,7 +1823,7 @@
         <p:spPr>
           <a:xfrm>
             <a:off x="504000" y="226080"/>
-            <a:ext cx="9070920" cy="945360"/>
+            <a:ext cx="9070560" cy="945000"/>
           </a:xfrm>
           <a:prstGeom prst="rect">
             <a:avLst/>
@@ -2078,7 +2078,7 @@
         <p:spPr>
           <a:xfrm>
             <a:off x="504000" y="226080"/>
-            <a:ext cx="9070920" cy="945360"/>
+            <a:ext cx="9070560" cy="945000"/>
           </a:xfrm>
           <a:prstGeom prst="rect">
             <a:avLst/>
@@ -2162,7 +2162,7 @@
         <p:spPr>
           <a:xfrm>
             <a:off x="504000" y="226080"/>
-            <a:ext cx="9070920" cy="945360"/>
+            <a:ext cx="9070560" cy="945000"/>
           </a:xfrm>
           <a:prstGeom prst="rect">
             <a:avLst/>
@@ -2245,7 +2245,7 @@
         <p:spPr>
           <a:xfrm>
             <a:off x="504000" y="226080"/>
-            <a:ext cx="9070920" cy="945360"/>
+            <a:ext cx="9070560" cy="945000"/>
           </a:xfrm>
           <a:prstGeom prst="rect">
             <a:avLst/>
@@ -2358,7 +2358,7 @@
         <p:spPr>
           <a:xfrm>
             <a:off x="504000" y="226080"/>
-            <a:ext cx="9070920" cy="945360"/>
+            <a:ext cx="9070560" cy="945000"/>
           </a:xfrm>
           <a:prstGeom prst="rect">
             <a:avLst/>
@@ -2411,7 +2411,7 @@
         <p:spPr>
           <a:xfrm>
             <a:off x="504000" y="226080"/>
-            <a:ext cx="9070920" cy="945360"/>
+            <a:ext cx="9070560" cy="945000"/>
           </a:xfrm>
           <a:prstGeom prst="rect">
             <a:avLst/>
@@ -2494,7 +2494,7 @@
         <p:spPr>
           <a:xfrm>
             <a:off x="504000" y="226080"/>
-            <a:ext cx="9070920" cy="4383360"/>
+            <a:ext cx="9070560" cy="4381920"/>
           </a:xfrm>
           <a:prstGeom prst="rect">
             <a:avLst/>
@@ -2547,7 +2547,7 @@
         <p:spPr>
           <a:xfrm>
             <a:off x="504000" y="226080"/>
-            <a:ext cx="9070920" cy="945360"/>
+            <a:ext cx="9070560" cy="945000"/>
           </a:xfrm>
           <a:prstGeom prst="rect">
             <a:avLst/>
@@ -2690,7 +2690,7 @@
         <p:spPr>
           <a:xfrm>
             <a:off x="504000" y="226080"/>
-            <a:ext cx="9070920" cy="945360"/>
+            <a:ext cx="9070560" cy="945000"/>
           </a:xfrm>
           <a:prstGeom prst="rect">
             <a:avLst/>
@@ -2833,7 +2833,7 @@
         <p:spPr>
           <a:xfrm>
             <a:off x="504000" y="226080"/>
-            <a:ext cx="9070920" cy="945360"/>
+            <a:ext cx="9070560" cy="945000"/>
           </a:xfrm>
           <a:prstGeom prst="rect">
             <a:avLst/>
@@ -2976,7 +2976,7 @@
         <p:spPr>
           <a:xfrm>
             <a:off x="504000" y="226080"/>
-            <a:ext cx="9070920" cy="945360"/>
+            <a:ext cx="9070560" cy="945000"/>
           </a:xfrm>
           <a:prstGeom prst="rect">
             <a:avLst/>
@@ -3089,7 +3089,7 @@
         <p:spPr>
           <a:xfrm>
             <a:off x="504000" y="226080"/>
-            <a:ext cx="9070920" cy="945360"/>
+            <a:ext cx="9070560" cy="945000"/>
           </a:xfrm>
           <a:prstGeom prst="rect">
             <a:avLst/>
@@ -3262,7 +3262,7 @@
         <p:spPr>
           <a:xfrm>
             <a:off x="504000" y="226080"/>
-            <a:ext cx="9070920" cy="945360"/>
+            <a:ext cx="9070560" cy="945000"/>
           </a:xfrm>
           <a:prstGeom prst="rect">
             <a:avLst/>
@@ -3517,7 +3517,7 @@
         <p:spPr>
           <a:xfrm>
             <a:off x="504000" y="226080"/>
-            <a:ext cx="9070920" cy="945360"/>
+            <a:ext cx="9070560" cy="945000"/>
           </a:xfrm>
           <a:prstGeom prst="rect">
             <a:avLst/>
@@ -3601,7 +3601,7 @@
         <p:spPr>
           <a:xfrm>
             <a:off x="504000" y="226080"/>
-            <a:ext cx="9070920" cy="945360"/>
+            <a:ext cx="9070560" cy="945000"/>
           </a:xfrm>
           <a:prstGeom prst="rect">
             <a:avLst/>
@@ -3684,7 +3684,7 @@
         <p:spPr>
           <a:xfrm>
             <a:off x="504000" y="226080"/>
-            <a:ext cx="9070920" cy="945360"/>
+            <a:ext cx="9070560" cy="945000"/>
           </a:xfrm>
           <a:prstGeom prst="rect">
             <a:avLst/>
@@ -3797,7 +3797,7 @@
         <p:spPr>
           <a:xfrm>
             <a:off x="504000" y="226080"/>
-            <a:ext cx="9070920" cy="945360"/>
+            <a:ext cx="9070560" cy="945000"/>
           </a:xfrm>
           <a:prstGeom prst="rect">
             <a:avLst/>
@@ -3910,7 +3910,7 @@
         <p:spPr>
           <a:xfrm>
             <a:off x="504000" y="226080"/>
-            <a:ext cx="9070920" cy="945360"/>
+            <a:ext cx="9070560" cy="945000"/>
           </a:xfrm>
           <a:prstGeom prst="rect">
             <a:avLst/>
@@ -3963,7 +3963,7 @@
         <p:spPr>
           <a:xfrm>
             <a:off x="504000" y="226080"/>
-            <a:ext cx="9070920" cy="4383360"/>
+            <a:ext cx="9070560" cy="4381920"/>
           </a:xfrm>
           <a:prstGeom prst="rect">
             <a:avLst/>
@@ -4016,7 +4016,7 @@
         <p:spPr>
           <a:xfrm>
             <a:off x="504000" y="226080"/>
-            <a:ext cx="9070920" cy="945360"/>
+            <a:ext cx="9070560" cy="945000"/>
           </a:xfrm>
           <a:prstGeom prst="rect">
             <a:avLst/>
@@ -4159,7 +4159,7 @@
         <p:spPr>
           <a:xfrm>
             <a:off x="504000" y="226080"/>
-            <a:ext cx="9070920" cy="945360"/>
+            <a:ext cx="9070560" cy="945000"/>
           </a:xfrm>
           <a:prstGeom prst="rect">
             <a:avLst/>
@@ -4302,7 +4302,7 @@
         <p:spPr>
           <a:xfrm>
             <a:off x="504000" y="226080"/>
-            <a:ext cx="9070920" cy="945360"/>
+            <a:ext cx="9070560" cy="945000"/>
           </a:xfrm>
           <a:prstGeom prst="rect">
             <a:avLst/>
@@ -4445,7 +4445,7 @@
         <p:spPr>
           <a:xfrm>
             <a:off x="504000" y="226080"/>
-            <a:ext cx="9070920" cy="945360"/>
+            <a:ext cx="9070560" cy="945000"/>
           </a:xfrm>
           <a:prstGeom prst="rect">
             <a:avLst/>
@@ -4558,7 +4558,7 @@
         <p:spPr>
           <a:xfrm>
             <a:off x="504000" y="226080"/>
-            <a:ext cx="9070920" cy="945360"/>
+            <a:ext cx="9070560" cy="945000"/>
           </a:xfrm>
           <a:prstGeom prst="rect">
             <a:avLst/>
@@ -4731,7 +4731,7 @@
         <p:spPr>
           <a:xfrm>
             <a:off x="504000" y="226080"/>
-            <a:ext cx="9070920" cy="945360"/>
+            <a:ext cx="9070560" cy="945000"/>
           </a:xfrm>
           <a:prstGeom prst="rect">
             <a:avLst/>
@@ -4964,7 +4964,7 @@
         <p:spPr>
           <a:xfrm>
             <a:off x="504000" y="226080"/>
-            <a:ext cx="9070920" cy="945360"/>
+            <a:ext cx="9070560" cy="945000"/>
           </a:xfrm>
           <a:prstGeom prst="rect">
             <a:avLst/>
@@ -5017,7 +5017,7 @@
         <p:spPr>
           <a:xfrm>
             <a:off x="504000" y="226080"/>
-            <a:ext cx="9070920" cy="4383360"/>
+            <a:ext cx="9070560" cy="4381920"/>
           </a:xfrm>
           <a:prstGeom prst="rect">
             <a:avLst/>
@@ -5070,7 +5070,7 @@
         <p:spPr>
           <a:xfrm>
             <a:off x="504000" y="226080"/>
-            <a:ext cx="9070920" cy="945360"/>
+            <a:ext cx="9070560" cy="945000"/>
           </a:xfrm>
           <a:prstGeom prst="rect">
             <a:avLst/>
@@ -5213,7 +5213,7 @@
         <p:spPr>
           <a:xfrm>
             <a:off x="504000" y="226080"/>
-            <a:ext cx="9070920" cy="945360"/>
+            <a:ext cx="9070560" cy="945000"/>
           </a:xfrm>
           <a:prstGeom prst="rect">
             <a:avLst/>
@@ -5356,7 +5356,7 @@
         <p:spPr>
           <a:xfrm>
             <a:off x="504000" y="226080"/>
-            <a:ext cx="9070920" cy="945360"/>
+            <a:ext cx="9070560" cy="945000"/>
           </a:xfrm>
           <a:prstGeom prst="rect">
             <a:avLst/>
@@ -6258,7 +6258,7 @@
         <p:spPr>
           <a:xfrm>
             <a:off x="504000" y="226080"/>
-            <a:ext cx="9070920" cy="945360"/>
+            <a:ext cx="9070560" cy="945000"/>
           </a:xfrm>
           <a:prstGeom prst="rect">
             <a:avLst/>
@@ -6506,7 +6506,7 @@
         <p:spPr>
           <a:xfrm>
             <a:off x="504000" y="226080"/>
-            <a:ext cx="9068400" cy="943200"/>
+            <a:ext cx="9068040" cy="942840"/>
           </a:xfrm>
           <a:prstGeom prst="rect">
             <a:avLst/>
@@ -6607,7 +6607,7 @@
         <p:spPr>
           <a:xfrm>
             <a:off x="504000" y="74160"/>
-            <a:ext cx="9068400" cy="1247400"/>
+            <a:ext cx="9068040" cy="1247040"/>
           </a:xfrm>
           <a:prstGeom prst="rect">
             <a:avLst/>
@@ -6658,7 +6658,7 @@
         <p:spPr>
           <a:xfrm>
             <a:off x="504000" y="1322640"/>
-            <a:ext cx="5037120" cy="3508560"/>
+            <a:ext cx="5036760" cy="3508200"/>
           </a:xfrm>
           <a:prstGeom prst="rect">
             <a:avLst/>
@@ -7215,7 +7215,7 @@
         <p:spPr>
           <a:xfrm>
             <a:off x="4104720" y="1512720"/>
-            <a:ext cx="4893840" cy="3165840"/>
+            <a:ext cx="4893480" cy="3165480"/>
           </a:xfrm>
           <a:prstGeom prst="rect">
             <a:avLst/>
@@ -7316,7 +7316,7 @@
         <p:spPr>
           <a:xfrm>
             <a:off x="504000" y="74160"/>
-            <a:ext cx="9068400" cy="1247400"/>
+            <a:ext cx="9068040" cy="1247040"/>
           </a:xfrm>
           <a:prstGeom prst="rect">
             <a:avLst/>
@@ -7367,7 +7367,7 @@
         <p:spPr>
           <a:xfrm>
             <a:off x="504000" y="1368000"/>
-            <a:ext cx="5037120" cy="3508560"/>
+            <a:ext cx="5036760" cy="3508200"/>
           </a:xfrm>
           <a:prstGeom prst="rect">
             <a:avLst/>
@@ -7924,7 +7924,7 @@
         <p:spPr>
           <a:xfrm>
             <a:off x="4968000" y="1710720"/>
-            <a:ext cx="4893840" cy="3165840"/>
+            <a:ext cx="4893480" cy="3165480"/>
           </a:xfrm>
           <a:prstGeom prst="rect">
             <a:avLst/>
@@ -8076,7 +8076,7 @@
         <p:spPr>
           <a:xfrm>
             <a:off x="1296000" y="2520000"/>
-            <a:ext cx="2374560" cy="718560"/>
+            <a:ext cx="2374200" cy="718200"/>
           </a:xfrm>
           <a:prstGeom prst="rect">
             <a:avLst/>
@@ -8134,7 +8134,7 @@
         <p:spPr>
           <a:xfrm>
             <a:off x="504000" y="74160"/>
-            <a:ext cx="9068400" cy="1247400"/>
+            <a:ext cx="9068040" cy="1247040"/>
           </a:xfrm>
           <a:prstGeom prst="rect">
             <a:avLst/>
@@ -8185,7 +8185,7 @@
         <p:spPr>
           <a:xfrm>
             <a:off x="504000" y="1368000"/>
-            <a:ext cx="5037120" cy="3508560"/>
+            <a:ext cx="5036760" cy="3508200"/>
           </a:xfrm>
           <a:prstGeom prst="rect">
             <a:avLst/>
@@ -8742,7 +8742,7 @@
         <p:spPr>
           <a:xfrm>
             <a:off x="4104720" y="1512720"/>
-            <a:ext cx="4893840" cy="3165840"/>
+            <a:ext cx="4893480" cy="3165480"/>
           </a:xfrm>
           <a:prstGeom prst="rect">
             <a:avLst/>
@@ -8926,7 +8926,7 @@
         <p:spPr>
           <a:xfrm>
             <a:off x="1296000" y="2520000"/>
-            <a:ext cx="2374560" cy="718560"/>
+            <a:ext cx="2374200" cy="718200"/>
           </a:xfrm>
           <a:prstGeom prst="rect">
             <a:avLst/>
@@ -8954,7 +8954,7 @@
         <p:spPr>
           <a:xfrm>
             <a:off x="1368000" y="3888000"/>
-            <a:ext cx="2374560" cy="718560"/>
+            <a:ext cx="2374200" cy="718200"/>
           </a:xfrm>
           <a:prstGeom prst="rect">
             <a:avLst/>
@@ -9041,7 +9041,7 @@
         <p:spPr>
           <a:xfrm>
             <a:off x="504000" y="74160"/>
-            <a:ext cx="9068400" cy="1247400"/>
+            <a:ext cx="9068040" cy="1247040"/>
           </a:xfrm>
           <a:prstGeom prst="rect">
             <a:avLst/>
@@ -9092,7 +9092,7 @@
         <p:spPr>
           <a:xfrm>
             <a:off x="504000" y="1368000"/>
-            <a:ext cx="5037120" cy="3911040"/>
+            <a:ext cx="5036760" cy="3910680"/>
           </a:xfrm>
           <a:prstGeom prst="rect">
             <a:avLst/>
@@ -9811,7 +9811,7 @@
         <p:spPr>
           <a:xfrm>
             <a:off x="4966200" y="1684440"/>
-            <a:ext cx="4893840" cy="3165840"/>
+            <a:ext cx="4893480" cy="3165480"/>
           </a:xfrm>
           <a:prstGeom prst="rect">
             <a:avLst/>
@@ -9974,7 +9974,7 @@
         <p:spPr>
           <a:xfrm>
             <a:off x="1440000" y="2952360"/>
-            <a:ext cx="2374560" cy="718560"/>
+            <a:ext cx="2374200" cy="718200"/>
           </a:xfrm>
           <a:prstGeom prst="rect">
             <a:avLst/>
@@ -10002,7 +10002,7 @@
         <p:spPr>
           <a:xfrm>
             <a:off x="1440360" y="4320000"/>
-            <a:ext cx="2374560" cy="718560"/>
+            <a:ext cx="2374200" cy="718200"/>
           </a:xfrm>
           <a:prstGeom prst="rect">
             <a:avLst/>
@@ -10118,7 +10118,7 @@
         <p:spPr>
           <a:xfrm>
             <a:off x="1008000" y="648000"/>
-            <a:ext cx="8801640" cy="4951800"/>
+            <a:ext cx="8801280" cy="4951440"/>
           </a:xfrm>
           <a:prstGeom prst="rect">
             <a:avLst/>
@@ -10529,7 +10529,7 @@
         <p:spPr>
           <a:xfrm>
             <a:off x="504000" y="226080"/>
-            <a:ext cx="9070200" cy="944640"/>
+            <a:ext cx="9069840" cy="944280"/>
           </a:xfrm>
           <a:prstGeom prst="rect">
             <a:avLst/>
@@ -10580,7 +10580,7 @@
         <p:spPr>
           <a:xfrm>
             <a:off x="720000" y="1440000"/>
-            <a:ext cx="3958920" cy="1880280"/>
+            <a:ext cx="3958560" cy="1879920"/>
           </a:xfrm>
           <a:prstGeom prst="rect">
             <a:avLst/>
@@ -10801,7 +10801,7 @@
         <p:spPr>
           <a:xfrm>
             <a:off x="3384000" y="3528000"/>
-            <a:ext cx="2374920" cy="1366920"/>
+            <a:ext cx="2374560" cy="1366560"/>
           </a:xfrm>
           <a:prstGeom prst="rect">
             <a:avLst/>
@@ -10827,7 +10827,7 @@
         <p:spPr>
           <a:xfrm>
             <a:off x="3456000" y="2772000"/>
-            <a:ext cx="3447720" cy="1014480"/>
+            <a:ext cx="3447360" cy="1014120"/>
           </a:xfrm>
           <a:prstGeom prst="rect">
             <a:avLst/>
@@ -10886,12 +10886,22 @@
             <a:r>
               <a:rPr b="0" lang="it-IT" sz="1800" spc="-1" strike="noStrike">
                 <a:solidFill>
-                  <a:srgbClr val="f10d0c"/>
+                  <a:srgbClr val="000000"/>
                 </a:solidFill>
                 <a:latin typeface="Arial"/>
                 <a:ea typeface="DejaVu Sans"/>
               </a:rPr>
-              <a:t>(A) {</a:t>
+              <a:t>(A)</a:t>
+            </a:r>
+            <a:r>
+              <a:rPr b="0" lang="it-IT" sz="1800" spc="-1" strike="noStrike">
+                <a:solidFill>
+                  <a:srgbClr val="f10d0c"/>
+                </a:solidFill>
+                <a:latin typeface="Arial"/>
+                <a:ea typeface="DejaVu Sans"/>
+              </a:rPr>
+              <a:t> {</a:t>
             </a:r>
             <a:endParaRPr b="0" lang="it-IT" sz="1800" spc="-1" strike="noStrike">
               <a:latin typeface="Arial"/>
@@ -10958,7 +10968,7 @@
         <p:spPr>
           <a:xfrm>
             <a:off x="432000" y="4032000"/>
-            <a:ext cx="8134920" cy="857160"/>
+            <a:ext cx="8134560" cy="856800"/>
           </a:xfrm>
           <a:prstGeom prst="rect">
             <a:avLst/>
@@ -11039,7 +11049,7 @@
         <p:spPr>
           <a:xfrm>
             <a:off x="144000" y="333720"/>
-            <a:ext cx="9070920" cy="1249200"/>
+            <a:ext cx="9070560" cy="1248840"/>
           </a:xfrm>
           <a:prstGeom prst="rect">
             <a:avLst/>
@@ -11090,7 +11100,7 @@
         <p:spPr>
           <a:xfrm>
             <a:off x="1116000" y="1837800"/>
-            <a:ext cx="7054920" cy="2648880"/>
+            <a:ext cx="7054560" cy="2648520"/>
           </a:xfrm>
           <a:prstGeom prst="rect">
             <a:avLst/>
@@ -11121,7 +11131,7 @@
             </a:endParaRPr>
           </a:p>
           <a:p>
-            <a:pPr marL="216000" indent="-214920">
+            <a:pPr marL="216000" indent="-214560">
               <a:lnSpc>
                 <a:spcPct val="100000"/>
               </a:lnSpc>
@@ -11159,7 +11169,7 @@
             </a:endParaRPr>
           </a:p>
           <a:p>
-            <a:pPr marL="216000" indent="-214920">
+            <a:pPr marL="216000" indent="-214560">
               <a:lnSpc>
                 <a:spcPct val="100000"/>
               </a:lnSpc>
@@ -11197,7 +11207,7 @@
             </a:endParaRPr>
           </a:p>
           <a:p>
-            <a:pPr marL="216000" indent="-214920">
+            <a:pPr marL="216000" indent="-214560">
               <a:lnSpc>
                 <a:spcPct val="100000"/>
               </a:lnSpc>
@@ -11245,7 +11255,7 @@
         <p:spPr>
           <a:xfrm>
             <a:off x="3168000" y="4536000"/>
-            <a:ext cx="243720" cy="345240"/>
+            <a:ext cx="243360" cy="344880"/>
           </a:xfrm>
           <a:prstGeom prst="rect">
             <a:avLst/>
@@ -11326,7 +11336,7 @@
         <p:spPr>
           <a:xfrm>
             <a:off x="504000" y="226080"/>
-            <a:ext cx="9068400" cy="943200"/>
+            <a:ext cx="9068040" cy="942840"/>
           </a:xfrm>
           <a:prstGeom prst="rect">
             <a:avLst/>
@@ -11377,7 +11387,7 @@
         <p:spPr>
           <a:xfrm>
             <a:off x="504000" y="1326600"/>
-            <a:ext cx="3380760" cy="2990160"/>
+            <a:ext cx="3380400" cy="2989800"/>
           </a:xfrm>
           <a:prstGeom prst="rect">
             <a:avLst/>
@@ -11760,7 +11770,7 @@
         <p:spPr>
           <a:xfrm>
             <a:off x="3744000" y="1172520"/>
-            <a:ext cx="6188760" cy="4080240"/>
+            <a:ext cx="6188400" cy="4079880"/>
           </a:xfrm>
           <a:prstGeom prst="rect">
             <a:avLst/>
@@ -12121,7 +12131,7 @@
         <p:spPr>
           <a:xfrm>
             <a:off x="375120" y="216000"/>
-            <a:ext cx="7254720" cy="4113000"/>
+            <a:ext cx="7254360" cy="4112640"/>
           </a:xfrm>
           <a:prstGeom prst="rect">
             <a:avLst/>
@@ -12876,7 +12886,7 @@
         <p:spPr>
           <a:xfrm>
             <a:off x="216000" y="4176000"/>
-            <a:ext cx="9285840" cy="789840"/>
+            <a:ext cx="9285480" cy="789480"/>
           </a:xfrm>
           <a:prstGeom prst="rect">
             <a:avLst/>
@@ -13017,7 +13027,7 @@
         <p:spPr>
           <a:xfrm>
             <a:off x="144000" y="218520"/>
-            <a:ext cx="9789840" cy="3701880"/>
+            <a:ext cx="9789480" cy="3701520"/>
           </a:xfrm>
           <a:prstGeom prst="rect">
             <a:avLst/>
@@ -13777,7 +13787,7 @@
         <p:spPr>
           <a:xfrm>
             <a:off x="1224000" y="3960000"/>
-            <a:ext cx="5757840" cy="1112040"/>
+            <a:ext cx="5757480" cy="1111680"/>
           </a:xfrm>
           <a:prstGeom prst="rect">
             <a:avLst/>
@@ -13898,7 +13908,7 @@
         <p:spPr>
           <a:xfrm>
             <a:off x="144000" y="4824000"/>
-            <a:ext cx="8709840" cy="600120"/>
+            <a:ext cx="8709480" cy="599760"/>
           </a:xfrm>
           <a:prstGeom prst="rect">
             <a:avLst/>
@@ -13979,7 +13989,7 @@
         <p:spPr>
           <a:xfrm>
             <a:off x="504000" y="226080"/>
-            <a:ext cx="9068400" cy="943200"/>
+            <a:ext cx="9068040" cy="942840"/>
           </a:xfrm>
           <a:prstGeom prst="rect">
             <a:avLst/>
@@ -14005,7 +14015,7 @@
         <p:spPr>
           <a:xfrm>
             <a:off x="504000" y="1326600"/>
-            <a:ext cx="9068400" cy="3285000"/>
+            <a:ext cx="9068040" cy="3284640"/>
           </a:xfrm>
           <a:prstGeom prst="rect">
             <a:avLst/>
@@ -14031,7 +14041,7 @@
         <p:spPr>
           <a:xfrm>
             <a:off x="0" y="73440"/>
-            <a:ext cx="9724320" cy="5253120"/>
+            <a:ext cx="9723960" cy="5252760"/>
           </a:xfrm>
           <a:prstGeom prst="rect">
             <a:avLst/>
@@ -14604,7 +14614,7 @@
         <p:spPr>
           <a:xfrm>
             <a:off x="288000" y="360000"/>
-            <a:ext cx="9491040" cy="2230560"/>
+            <a:ext cx="9490680" cy="2230200"/>
           </a:xfrm>
           <a:prstGeom prst="rect">
             <a:avLst/>
@@ -14757,7 +14767,7 @@
         <p:spPr>
           <a:xfrm>
             <a:off x="504000" y="74160"/>
-            <a:ext cx="9068400" cy="1247400"/>
+            <a:ext cx="9068040" cy="1247040"/>
           </a:xfrm>
           <a:prstGeom prst="rect">
             <a:avLst/>
@@ -14808,7 +14818,7 @@
         <p:spPr>
           <a:xfrm>
             <a:off x="432000" y="1224000"/>
-            <a:ext cx="5037120" cy="3021120"/>
+            <a:ext cx="5036760" cy="3020760"/>
           </a:xfrm>
           <a:prstGeom prst="rect">
             <a:avLst/>
@@ -15211,7 +15221,7 @@
         <p:spPr>
           <a:xfrm>
             <a:off x="288000" y="4176000"/>
-            <a:ext cx="9429480" cy="1221120"/>
+            <a:ext cx="9429120" cy="1220760"/>
           </a:xfrm>
           <a:prstGeom prst="rect">
             <a:avLst/>
@@ -15312,7 +15322,7 @@
         <p:spPr>
           <a:xfrm>
             <a:off x="504000" y="74160"/>
-            <a:ext cx="9068400" cy="1247400"/>
+            <a:ext cx="9068040" cy="1247040"/>
           </a:xfrm>
           <a:prstGeom prst="rect">
             <a:avLst/>
@@ -15363,7 +15373,7 @@
         <p:spPr>
           <a:xfrm>
             <a:off x="432000" y="1224000"/>
-            <a:ext cx="5037120" cy="3021120"/>
+            <a:ext cx="5036760" cy="3020760"/>
           </a:xfrm>
           <a:prstGeom prst="rect">
             <a:avLst/>
@@ -15766,7 +15776,7 @@
         <p:spPr>
           <a:xfrm>
             <a:off x="273240" y="3960000"/>
-            <a:ext cx="9429480" cy="1221120"/>
+            <a:ext cx="9429120" cy="1220760"/>
           </a:xfrm>
           <a:prstGeom prst="rect">
             <a:avLst/>
@@ -15847,7 +15857,7 @@
         <p:spPr>
           <a:xfrm>
             <a:off x="1337400" y="209160"/>
-            <a:ext cx="9068400" cy="1247400"/>
+            <a:ext cx="9068040" cy="1247040"/>
           </a:xfrm>
           <a:prstGeom prst="rect">
             <a:avLst/>
@@ -15898,7 +15908,7 @@
         <p:spPr>
           <a:xfrm>
             <a:off x="504000" y="1368000"/>
-            <a:ext cx="5037120" cy="861120"/>
+            <a:ext cx="5036760" cy="860760"/>
           </a:xfrm>
           <a:prstGeom prst="rect">
             <a:avLst/>
@@ -15999,7 +16009,7 @@
         <p:spPr>
           <a:xfrm>
             <a:off x="216000" y="2160000"/>
-            <a:ext cx="9645120" cy="3237120"/>
+            <a:ext cx="9644760" cy="3236760"/>
           </a:xfrm>
           <a:prstGeom prst="rect">
             <a:avLst/>
@@ -16150,7 +16160,7 @@
         <p:spPr>
           <a:xfrm>
             <a:off x="3168000" y="3024000"/>
-            <a:ext cx="5037120" cy="1437120"/>
+            <a:ext cx="5036760" cy="1436760"/>
           </a:xfrm>
           <a:prstGeom prst="rect">
             <a:avLst/>

--- a/CONCORRENZA.pptx
+++ b/CONCORRENZA.pptx
@@ -24,6 +24,8 @@
     <p:sldId id="269" r:id="rId19"/>
     <p:sldId id="270" r:id="rId20"/>
     <p:sldId id="271" r:id="rId21"/>
+    <p:sldId id="272" r:id="rId22"/>
+    <p:sldId id="273" r:id="rId23"/>
   </p:sldIdLst>
   <p:sldSz cx="10080625" cy="5670550"/>
   <p:notesSz cx="7559675" cy="10691812"/>
@@ -97,7 +99,7 @@
         <p:spPr>
           <a:xfrm>
             <a:off x="504000" y="226080"/>
-            <a:ext cx="9070560" cy="945000"/>
+            <a:ext cx="9070200" cy="944640"/>
           </a:xfrm>
           <a:prstGeom prst="rect">
             <a:avLst/>
@@ -210,7 +212,7 @@
         <p:spPr>
           <a:xfrm>
             <a:off x="504000" y="226080"/>
-            <a:ext cx="9070560" cy="945000"/>
+            <a:ext cx="9070200" cy="944640"/>
           </a:xfrm>
           <a:prstGeom prst="rect">
             <a:avLst/>
@@ -383,7 +385,7 @@
         <p:spPr>
           <a:xfrm>
             <a:off x="504000" y="226080"/>
-            <a:ext cx="9070560" cy="945000"/>
+            <a:ext cx="9070200" cy="944640"/>
           </a:xfrm>
           <a:prstGeom prst="rect">
             <a:avLst/>
@@ -638,7 +640,7 @@
         <p:spPr>
           <a:xfrm>
             <a:off x="504000" y="226080"/>
-            <a:ext cx="9070560" cy="945000"/>
+            <a:ext cx="9070200" cy="944640"/>
           </a:xfrm>
           <a:prstGeom prst="rect">
             <a:avLst/>
@@ -722,7 +724,7 @@
         <p:spPr>
           <a:xfrm>
             <a:off x="504000" y="226080"/>
-            <a:ext cx="9070560" cy="945000"/>
+            <a:ext cx="9070200" cy="944640"/>
           </a:xfrm>
           <a:prstGeom prst="rect">
             <a:avLst/>
@@ -805,7 +807,7 @@
         <p:spPr>
           <a:xfrm>
             <a:off x="504000" y="226080"/>
-            <a:ext cx="9070560" cy="945000"/>
+            <a:ext cx="9070200" cy="944640"/>
           </a:xfrm>
           <a:prstGeom prst="rect">
             <a:avLst/>
@@ -918,7 +920,7 @@
         <p:spPr>
           <a:xfrm>
             <a:off x="504000" y="226080"/>
-            <a:ext cx="9070560" cy="945000"/>
+            <a:ext cx="9070200" cy="944640"/>
           </a:xfrm>
           <a:prstGeom prst="rect">
             <a:avLst/>
@@ -971,7 +973,7 @@
         <p:spPr>
           <a:xfrm>
             <a:off x="504000" y="226080"/>
-            <a:ext cx="9070560" cy="4381920"/>
+            <a:ext cx="9070200" cy="4380120"/>
           </a:xfrm>
           <a:prstGeom prst="rect">
             <a:avLst/>
@@ -1024,7 +1026,7 @@
         <p:spPr>
           <a:xfrm>
             <a:off x="504000" y="226080"/>
-            <a:ext cx="9070560" cy="945000"/>
+            <a:ext cx="9070200" cy="944640"/>
           </a:xfrm>
           <a:prstGeom prst="rect">
             <a:avLst/>
@@ -1167,7 +1169,7 @@
         <p:spPr>
           <a:xfrm>
             <a:off x="504000" y="226080"/>
-            <a:ext cx="9070560" cy="945000"/>
+            <a:ext cx="9070200" cy="944640"/>
           </a:xfrm>
           <a:prstGeom prst="rect">
             <a:avLst/>
@@ -1251,7 +1253,7 @@
         <p:spPr>
           <a:xfrm>
             <a:off x="504000" y="226080"/>
-            <a:ext cx="9070560" cy="945000"/>
+            <a:ext cx="9070200" cy="944640"/>
           </a:xfrm>
           <a:prstGeom prst="rect">
             <a:avLst/>
@@ -1394,7 +1396,7 @@
         <p:spPr>
           <a:xfrm>
             <a:off x="504000" y="226080"/>
-            <a:ext cx="9070560" cy="945000"/>
+            <a:ext cx="9070200" cy="944640"/>
           </a:xfrm>
           <a:prstGeom prst="rect">
             <a:avLst/>
@@ -1537,7 +1539,7 @@
         <p:spPr>
           <a:xfrm>
             <a:off x="504000" y="226080"/>
-            <a:ext cx="9070560" cy="945000"/>
+            <a:ext cx="9070200" cy="944640"/>
           </a:xfrm>
           <a:prstGeom prst="rect">
             <a:avLst/>
@@ -1650,7 +1652,7 @@
         <p:spPr>
           <a:xfrm>
             <a:off x="504000" y="226080"/>
-            <a:ext cx="9070560" cy="945000"/>
+            <a:ext cx="9070200" cy="944640"/>
           </a:xfrm>
           <a:prstGeom prst="rect">
             <a:avLst/>
@@ -1823,7 +1825,7 @@
         <p:spPr>
           <a:xfrm>
             <a:off x="504000" y="226080"/>
-            <a:ext cx="9070560" cy="945000"/>
+            <a:ext cx="9070200" cy="944640"/>
           </a:xfrm>
           <a:prstGeom prst="rect">
             <a:avLst/>
@@ -2078,7 +2080,7 @@
         <p:spPr>
           <a:xfrm>
             <a:off x="504000" y="226080"/>
-            <a:ext cx="9070560" cy="945000"/>
+            <a:ext cx="9070200" cy="944640"/>
           </a:xfrm>
           <a:prstGeom prst="rect">
             <a:avLst/>
@@ -2162,7 +2164,7 @@
         <p:spPr>
           <a:xfrm>
             <a:off x="504000" y="226080"/>
-            <a:ext cx="9070560" cy="945000"/>
+            <a:ext cx="9070200" cy="944640"/>
           </a:xfrm>
           <a:prstGeom prst="rect">
             <a:avLst/>
@@ -2245,7 +2247,7 @@
         <p:spPr>
           <a:xfrm>
             <a:off x="504000" y="226080"/>
-            <a:ext cx="9070560" cy="945000"/>
+            <a:ext cx="9070200" cy="944640"/>
           </a:xfrm>
           <a:prstGeom prst="rect">
             <a:avLst/>
@@ -2358,7 +2360,7 @@
         <p:spPr>
           <a:xfrm>
             <a:off x="504000" y="226080"/>
-            <a:ext cx="9070560" cy="945000"/>
+            <a:ext cx="9070200" cy="944640"/>
           </a:xfrm>
           <a:prstGeom prst="rect">
             <a:avLst/>
@@ -2411,7 +2413,7 @@
         <p:spPr>
           <a:xfrm>
             <a:off x="504000" y="226080"/>
-            <a:ext cx="9070560" cy="945000"/>
+            <a:ext cx="9070200" cy="944640"/>
           </a:xfrm>
           <a:prstGeom prst="rect">
             <a:avLst/>
@@ -2494,7 +2496,7 @@
         <p:spPr>
           <a:xfrm>
             <a:off x="504000" y="226080"/>
-            <a:ext cx="9070560" cy="4381920"/>
+            <a:ext cx="9070200" cy="4380120"/>
           </a:xfrm>
           <a:prstGeom prst="rect">
             <a:avLst/>
@@ -2547,7 +2549,7 @@
         <p:spPr>
           <a:xfrm>
             <a:off x="504000" y="226080"/>
-            <a:ext cx="9070560" cy="945000"/>
+            <a:ext cx="9070200" cy="944640"/>
           </a:xfrm>
           <a:prstGeom prst="rect">
             <a:avLst/>
@@ -2690,7 +2692,7 @@
         <p:spPr>
           <a:xfrm>
             <a:off x="504000" y="226080"/>
-            <a:ext cx="9070560" cy="945000"/>
+            <a:ext cx="9070200" cy="944640"/>
           </a:xfrm>
           <a:prstGeom prst="rect">
             <a:avLst/>
@@ -2833,7 +2835,7 @@
         <p:spPr>
           <a:xfrm>
             <a:off x="504000" y="226080"/>
-            <a:ext cx="9070560" cy="945000"/>
+            <a:ext cx="9070200" cy="944640"/>
           </a:xfrm>
           <a:prstGeom prst="rect">
             <a:avLst/>
@@ -2976,7 +2978,7 @@
         <p:spPr>
           <a:xfrm>
             <a:off x="504000" y="226080"/>
-            <a:ext cx="9070560" cy="945000"/>
+            <a:ext cx="9070200" cy="944640"/>
           </a:xfrm>
           <a:prstGeom prst="rect">
             <a:avLst/>
@@ -3089,7 +3091,7 @@
         <p:spPr>
           <a:xfrm>
             <a:off x="504000" y="226080"/>
-            <a:ext cx="9070560" cy="945000"/>
+            <a:ext cx="9070200" cy="944640"/>
           </a:xfrm>
           <a:prstGeom prst="rect">
             <a:avLst/>
@@ -3262,7 +3264,7 @@
         <p:spPr>
           <a:xfrm>
             <a:off x="504000" y="226080"/>
-            <a:ext cx="9070560" cy="945000"/>
+            <a:ext cx="9070200" cy="944640"/>
           </a:xfrm>
           <a:prstGeom prst="rect">
             <a:avLst/>
@@ -3517,7 +3519,7 @@
         <p:spPr>
           <a:xfrm>
             <a:off x="504000" y="226080"/>
-            <a:ext cx="9070560" cy="945000"/>
+            <a:ext cx="9070200" cy="944640"/>
           </a:xfrm>
           <a:prstGeom prst="rect">
             <a:avLst/>
@@ -3601,7 +3603,7 @@
         <p:spPr>
           <a:xfrm>
             <a:off x="504000" y="226080"/>
-            <a:ext cx="9070560" cy="945000"/>
+            <a:ext cx="9070200" cy="944640"/>
           </a:xfrm>
           <a:prstGeom prst="rect">
             <a:avLst/>
@@ -3684,7 +3686,7 @@
         <p:spPr>
           <a:xfrm>
             <a:off x="504000" y="226080"/>
-            <a:ext cx="9070560" cy="945000"/>
+            <a:ext cx="9070200" cy="944640"/>
           </a:xfrm>
           <a:prstGeom prst="rect">
             <a:avLst/>
@@ -3797,7 +3799,7 @@
         <p:spPr>
           <a:xfrm>
             <a:off x="504000" y="226080"/>
-            <a:ext cx="9070560" cy="945000"/>
+            <a:ext cx="9070200" cy="944640"/>
           </a:xfrm>
           <a:prstGeom prst="rect">
             <a:avLst/>
@@ -3910,7 +3912,7 @@
         <p:spPr>
           <a:xfrm>
             <a:off x="504000" y="226080"/>
-            <a:ext cx="9070560" cy="945000"/>
+            <a:ext cx="9070200" cy="944640"/>
           </a:xfrm>
           <a:prstGeom prst="rect">
             <a:avLst/>
@@ -3963,7 +3965,7 @@
         <p:spPr>
           <a:xfrm>
             <a:off x="504000" y="226080"/>
-            <a:ext cx="9070560" cy="4381920"/>
+            <a:ext cx="9070200" cy="4380120"/>
           </a:xfrm>
           <a:prstGeom prst="rect">
             <a:avLst/>
@@ -4016,7 +4018,7 @@
         <p:spPr>
           <a:xfrm>
             <a:off x="504000" y="226080"/>
-            <a:ext cx="9070560" cy="945000"/>
+            <a:ext cx="9070200" cy="944640"/>
           </a:xfrm>
           <a:prstGeom prst="rect">
             <a:avLst/>
@@ -4159,7 +4161,7 @@
         <p:spPr>
           <a:xfrm>
             <a:off x="504000" y="226080"/>
-            <a:ext cx="9070560" cy="945000"/>
+            <a:ext cx="9070200" cy="944640"/>
           </a:xfrm>
           <a:prstGeom prst="rect">
             <a:avLst/>
@@ -4302,7 +4304,7 @@
         <p:spPr>
           <a:xfrm>
             <a:off x="504000" y="226080"/>
-            <a:ext cx="9070560" cy="945000"/>
+            <a:ext cx="9070200" cy="944640"/>
           </a:xfrm>
           <a:prstGeom prst="rect">
             <a:avLst/>
@@ -4445,7 +4447,7 @@
         <p:spPr>
           <a:xfrm>
             <a:off x="504000" y="226080"/>
-            <a:ext cx="9070560" cy="945000"/>
+            <a:ext cx="9070200" cy="944640"/>
           </a:xfrm>
           <a:prstGeom prst="rect">
             <a:avLst/>
@@ -4558,7 +4560,7 @@
         <p:spPr>
           <a:xfrm>
             <a:off x="504000" y="226080"/>
-            <a:ext cx="9070560" cy="945000"/>
+            <a:ext cx="9070200" cy="944640"/>
           </a:xfrm>
           <a:prstGeom prst="rect">
             <a:avLst/>
@@ -4731,7 +4733,7 @@
         <p:spPr>
           <a:xfrm>
             <a:off x="504000" y="226080"/>
-            <a:ext cx="9070560" cy="945000"/>
+            <a:ext cx="9070200" cy="944640"/>
           </a:xfrm>
           <a:prstGeom prst="rect">
             <a:avLst/>
@@ -4964,7 +4966,7 @@
         <p:spPr>
           <a:xfrm>
             <a:off x="504000" y="226080"/>
-            <a:ext cx="9070560" cy="945000"/>
+            <a:ext cx="9070200" cy="944640"/>
           </a:xfrm>
           <a:prstGeom prst="rect">
             <a:avLst/>
@@ -5017,7 +5019,7 @@
         <p:spPr>
           <a:xfrm>
             <a:off x="504000" y="226080"/>
-            <a:ext cx="9070560" cy="4381920"/>
+            <a:ext cx="9070200" cy="4380120"/>
           </a:xfrm>
           <a:prstGeom prst="rect">
             <a:avLst/>
@@ -5070,7 +5072,7 @@
         <p:spPr>
           <a:xfrm>
             <a:off x="504000" y="226080"/>
-            <a:ext cx="9070560" cy="945000"/>
+            <a:ext cx="9070200" cy="944640"/>
           </a:xfrm>
           <a:prstGeom prst="rect">
             <a:avLst/>
@@ -5213,7 +5215,7 @@
         <p:spPr>
           <a:xfrm>
             <a:off x="504000" y="226080"/>
-            <a:ext cx="9070560" cy="945000"/>
+            <a:ext cx="9070200" cy="944640"/>
           </a:xfrm>
           <a:prstGeom prst="rect">
             <a:avLst/>
@@ -5356,7 +5358,7 @@
         <p:spPr>
           <a:xfrm>
             <a:off x="504000" y="226080"/>
-            <a:ext cx="9070560" cy="945000"/>
+            <a:ext cx="9070200" cy="944640"/>
           </a:xfrm>
           <a:prstGeom prst="rect">
             <a:avLst/>
@@ -5544,7 +5546,7 @@
         </p:spPr>
         <p:txBody>
           <a:bodyPr lIns="0" rIns="0" tIns="0" bIns="0">
-            <a:normAutofit fontScale="94000"/>
+            <a:normAutofit/>
           </a:bodyPr>
           <a:p>
             <a:pPr marL="432000" indent="-324000">
@@ -6258,7 +6260,7 @@
         <p:spPr>
           <a:xfrm>
             <a:off x="504000" y="226080"/>
-            <a:ext cx="9070560" cy="945000"/>
+            <a:ext cx="9070200" cy="944640"/>
           </a:xfrm>
           <a:prstGeom prst="rect">
             <a:avLst/>
@@ -6506,7 +6508,7 @@
         <p:spPr>
           <a:xfrm>
             <a:off x="504000" y="226080"/>
-            <a:ext cx="9068040" cy="942840"/>
+            <a:ext cx="9067680" cy="942480"/>
           </a:xfrm>
           <a:prstGeom prst="rect">
             <a:avLst/>
@@ -6607,7 +6609,7 @@
         <p:spPr>
           <a:xfrm>
             <a:off x="504000" y="74160"/>
-            <a:ext cx="9068040" cy="1247040"/>
+            <a:ext cx="9067680" cy="1246680"/>
           </a:xfrm>
           <a:prstGeom prst="rect">
             <a:avLst/>
@@ -6658,7 +6660,7 @@
         <p:spPr>
           <a:xfrm>
             <a:off x="504000" y="1322640"/>
-            <a:ext cx="5036760" cy="3508200"/>
+            <a:ext cx="5036400" cy="3507840"/>
           </a:xfrm>
           <a:prstGeom prst="rect">
             <a:avLst/>
@@ -7215,7 +7217,7 @@
         <p:spPr>
           <a:xfrm>
             <a:off x="4104720" y="1512720"/>
-            <a:ext cx="4893480" cy="3165480"/>
+            <a:ext cx="4893120" cy="3165120"/>
           </a:xfrm>
           <a:prstGeom prst="rect">
             <a:avLst/>
@@ -7316,7 +7318,7 @@
         <p:spPr>
           <a:xfrm>
             <a:off x="504000" y="74160"/>
-            <a:ext cx="9068040" cy="1247040"/>
+            <a:ext cx="9067680" cy="1246680"/>
           </a:xfrm>
           <a:prstGeom prst="rect">
             <a:avLst/>
@@ -7367,7 +7369,7 @@
         <p:spPr>
           <a:xfrm>
             <a:off x="504000" y="1368000"/>
-            <a:ext cx="5036760" cy="3508200"/>
+            <a:ext cx="5036400" cy="3507840"/>
           </a:xfrm>
           <a:prstGeom prst="rect">
             <a:avLst/>
@@ -7924,7 +7926,7 @@
         <p:spPr>
           <a:xfrm>
             <a:off x="4968000" y="1710720"/>
-            <a:ext cx="4893480" cy="3165480"/>
+            <a:ext cx="4893120" cy="3165120"/>
           </a:xfrm>
           <a:prstGeom prst="rect">
             <a:avLst/>
@@ -8076,7 +8078,7 @@
         <p:spPr>
           <a:xfrm>
             <a:off x="1296000" y="2520000"/>
-            <a:ext cx="2374200" cy="718200"/>
+            <a:ext cx="2373840" cy="717840"/>
           </a:xfrm>
           <a:prstGeom prst="rect">
             <a:avLst/>
@@ -8134,7 +8136,7 @@
         <p:spPr>
           <a:xfrm>
             <a:off x="504000" y="74160"/>
-            <a:ext cx="9068040" cy="1247040"/>
+            <a:ext cx="9067680" cy="1246680"/>
           </a:xfrm>
           <a:prstGeom prst="rect">
             <a:avLst/>
@@ -8185,7 +8187,7 @@
         <p:spPr>
           <a:xfrm>
             <a:off x="504000" y="1368000"/>
-            <a:ext cx="5036760" cy="3508200"/>
+            <a:ext cx="5036400" cy="3507840"/>
           </a:xfrm>
           <a:prstGeom prst="rect">
             <a:avLst/>
@@ -8742,7 +8744,7 @@
         <p:spPr>
           <a:xfrm>
             <a:off x="4104720" y="1512720"/>
-            <a:ext cx="4893480" cy="3165480"/>
+            <a:ext cx="4893120" cy="3165120"/>
           </a:xfrm>
           <a:prstGeom prst="rect">
             <a:avLst/>
@@ -8926,7 +8928,7 @@
         <p:spPr>
           <a:xfrm>
             <a:off x="1296000" y="2520000"/>
-            <a:ext cx="2374200" cy="718200"/>
+            <a:ext cx="2373840" cy="717840"/>
           </a:xfrm>
           <a:prstGeom prst="rect">
             <a:avLst/>
@@ -8954,7 +8956,7 @@
         <p:spPr>
           <a:xfrm>
             <a:off x="1368000" y="3888000"/>
-            <a:ext cx="2374200" cy="718200"/>
+            <a:ext cx="2373840" cy="717840"/>
           </a:xfrm>
           <a:prstGeom prst="rect">
             <a:avLst/>
@@ -9041,7 +9043,7 @@
         <p:spPr>
           <a:xfrm>
             <a:off x="504000" y="74160"/>
-            <a:ext cx="9068040" cy="1247040"/>
+            <a:ext cx="9067680" cy="1246680"/>
           </a:xfrm>
           <a:prstGeom prst="rect">
             <a:avLst/>
@@ -9092,7 +9094,7 @@
         <p:spPr>
           <a:xfrm>
             <a:off x="504000" y="1368000"/>
-            <a:ext cx="5036760" cy="3910680"/>
+            <a:ext cx="5036400" cy="3910320"/>
           </a:xfrm>
           <a:prstGeom prst="rect">
             <a:avLst/>
@@ -9811,7 +9813,7 @@
         <p:spPr>
           <a:xfrm>
             <a:off x="4966200" y="1684440"/>
-            <a:ext cx="4893480" cy="3165480"/>
+            <a:ext cx="4893120" cy="3165120"/>
           </a:xfrm>
           <a:prstGeom prst="rect">
             <a:avLst/>
@@ -9974,7 +9976,7 @@
         <p:spPr>
           <a:xfrm>
             <a:off x="1440000" y="2952360"/>
-            <a:ext cx="2374200" cy="718200"/>
+            <a:ext cx="2373840" cy="717840"/>
           </a:xfrm>
           <a:prstGeom prst="rect">
             <a:avLst/>
@@ -10002,7 +10004,7 @@
         <p:spPr>
           <a:xfrm>
             <a:off x="1440360" y="4320000"/>
-            <a:ext cx="2374200" cy="718200"/>
+            <a:ext cx="2373840" cy="717840"/>
           </a:xfrm>
           <a:prstGeom prst="rect">
             <a:avLst/>
@@ -10118,7 +10120,7 @@
         <p:spPr>
           <a:xfrm>
             <a:off x="1008000" y="648000"/>
-            <a:ext cx="8801280" cy="4951440"/>
+            <a:ext cx="8800920" cy="4951080"/>
           </a:xfrm>
           <a:prstGeom prst="rect">
             <a:avLst/>
@@ -10529,7 +10531,7 @@
         <p:spPr>
           <a:xfrm>
             <a:off x="504000" y="226080"/>
-            <a:ext cx="9069840" cy="944280"/>
+            <a:ext cx="9069480" cy="943920"/>
           </a:xfrm>
           <a:prstGeom prst="rect">
             <a:avLst/>
@@ -10580,7 +10582,7 @@
         <p:spPr>
           <a:xfrm>
             <a:off x="720000" y="1440000"/>
-            <a:ext cx="3958560" cy="1879920"/>
+            <a:ext cx="3958200" cy="1879560"/>
           </a:xfrm>
           <a:prstGeom prst="rect">
             <a:avLst/>
@@ -10801,7 +10803,7 @@
         <p:spPr>
           <a:xfrm>
             <a:off x="3384000" y="3528000"/>
-            <a:ext cx="2374560" cy="1366560"/>
+            <a:ext cx="2374200" cy="1366200"/>
           </a:xfrm>
           <a:prstGeom prst="rect">
             <a:avLst/>
@@ -10827,7 +10829,7 @@
         <p:spPr>
           <a:xfrm>
             <a:off x="3456000" y="2772000"/>
-            <a:ext cx="3447360" cy="1014120"/>
+            <a:ext cx="3447000" cy="1013760"/>
           </a:xfrm>
           <a:prstGeom prst="rect">
             <a:avLst/>
@@ -10901,7 +10903,17 @@
                 <a:latin typeface="Arial"/>
                 <a:ea typeface="DejaVu Sans"/>
               </a:rPr>
-              <a:t> {</a:t>
+              <a:t> </a:t>
+            </a:r>
+            <a:r>
+              <a:rPr b="0" lang="it-IT" sz="1800" spc="-1" strike="noStrike">
+                <a:solidFill>
+                  <a:srgbClr val="000000"/>
+                </a:solidFill>
+                <a:latin typeface="Arial"/>
+                <a:ea typeface="DejaVu Sans"/>
+              </a:rPr>
+              <a:t>{</a:t>
             </a:r>
             <a:endParaRPr b="0" lang="it-IT" sz="1800" spc="-1" strike="noStrike">
               <a:latin typeface="Arial"/>
@@ -10968,7 +10980,7 @@
         <p:spPr>
           <a:xfrm>
             <a:off x="432000" y="4032000"/>
-            <a:ext cx="8134560" cy="856800"/>
+            <a:ext cx="8134200" cy="856440"/>
           </a:xfrm>
           <a:prstGeom prst="rect">
             <a:avLst/>
@@ -11049,7 +11061,7 @@
         <p:spPr>
           <a:xfrm>
             <a:off x="144000" y="333720"/>
-            <a:ext cx="9070560" cy="1248840"/>
+            <a:ext cx="9070200" cy="1248480"/>
           </a:xfrm>
           <a:prstGeom prst="rect">
             <a:avLst/>
@@ -11100,7 +11112,7 @@
         <p:spPr>
           <a:xfrm>
             <a:off x="1116000" y="1837800"/>
-            <a:ext cx="7054560" cy="2648520"/>
+            <a:ext cx="7054200" cy="2648160"/>
           </a:xfrm>
           <a:prstGeom prst="rect">
             <a:avLst/>
@@ -11131,7 +11143,7 @@
             </a:endParaRPr>
           </a:p>
           <a:p>
-            <a:pPr marL="216000" indent="-214560">
+            <a:pPr marL="216000" indent="-214200">
               <a:lnSpc>
                 <a:spcPct val="100000"/>
               </a:lnSpc>
@@ -11169,7 +11181,7 @@
             </a:endParaRPr>
           </a:p>
           <a:p>
-            <a:pPr marL="216000" indent="-214560">
+            <a:pPr marL="216000" indent="-214200">
               <a:lnSpc>
                 <a:spcPct val="100000"/>
               </a:lnSpc>
@@ -11207,7 +11219,7 @@
             </a:endParaRPr>
           </a:p>
           <a:p>
-            <a:pPr marL="216000" indent="-214560">
+            <a:pPr marL="216000" indent="-214200">
               <a:lnSpc>
                 <a:spcPct val="100000"/>
               </a:lnSpc>
@@ -11255,7 +11267,7 @@
         <p:spPr>
           <a:xfrm>
             <a:off x="3168000" y="4536000"/>
-            <a:ext cx="243360" cy="344880"/>
+            <a:ext cx="243000" cy="344520"/>
           </a:xfrm>
           <a:prstGeom prst="rect">
             <a:avLst/>
@@ -11290,6 +11302,341 @@
                 <a:ea typeface="DejaVu Sans"/>
               </a:rPr>
               <a:t> </a:t>
+            </a:r>
+            <a:endParaRPr b="0" lang="it-IT" sz="1800" spc="-1" strike="noStrike">
+              <a:latin typeface="Arial"/>
+            </a:endParaRPr>
+          </a:p>
+        </p:txBody>
+      </p:sp>
+    </p:spTree>
+  </p:cSld>
+  <mc:AlternateContent>
+    <mc:Choice Requires="p14">
+      <p:transition spd="slow" p14:dur="2000"/>
+    </mc:Choice>
+    <mc:Fallback>
+      <p:transition spd="slow"/>
+    </mc:Fallback>
+  </mc:AlternateContent>
+</p:sld>
+</file>
+
+<file path=ppt/slides/slide17.xml><?xml version="1.0" encoding="utf-8"?>
+<p:sld xmlns:a="http://schemas.openxmlformats.org/drawingml/2006/main" xmlns:p="http://schemas.openxmlformats.org/presentationml/2006/main" xmlns:r="http://schemas.openxmlformats.org/officeDocument/2006/relationships" xmlns:p14="http://schemas.microsoft.com/office/powerpoint/2010/main" xmlns:p15="http://schemas.microsoft.com/office/powerpoint/2012/main" xmlns:mc="http://schemas.openxmlformats.org/markup-compatibility/2006">
+  <p:cSld>
+    <p:spTree>
+      <p:nvGrpSpPr>
+        <p:cNvPr id="1" name=""/>
+        <p:cNvGrpSpPr/>
+        <p:nvPr/>
+      </p:nvGrpSpPr>
+      <p:grpSpPr>
+        <a:xfrm>
+          <a:off x="0" y="0"/>
+          <a:ext cx="0" cy="0"/>
+          <a:chOff x="0" y="0"/>
+          <a:chExt cx="0" cy="0"/>
+        </a:xfrm>
+      </p:grpSpPr>
+      <p:sp>
+        <p:nvSpPr>
+          <p:cNvPr id="206" name="TextShape 1"/>
+          <p:cNvSpPr txBox="1"/>
+          <p:nvPr/>
+        </p:nvSpPr>
+        <p:spPr>
+          <a:xfrm>
+            <a:off x="504000" y="226080"/>
+            <a:ext cx="9070200" cy="944640"/>
+          </a:xfrm>
+          <a:prstGeom prst="rect">
+            <a:avLst/>
+          </a:prstGeom>
+          <a:noFill/>
+          <a:ln>
+            <a:noFill/>
+          </a:ln>
+        </p:spPr>
+        <p:txBody>
+          <a:bodyPr lIns="0" rIns="0" tIns="0" bIns="0" anchor="ctr">
+            <a:noAutofit/>
+          </a:bodyPr>
+          <a:p>
+            <a:pPr algn="ctr"/>
+            <a:r>
+              <a:rPr b="0" lang="it-IT" sz="4400" spc="-1" strike="noStrike">
+                <a:latin typeface="Arial"/>
+              </a:rPr>
+              <a:t>I Deadlock (stallo)</a:t>
+            </a:r>
+            <a:endParaRPr b="0" lang="it-IT" sz="4400" spc="-1" strike="noStrike">
+              <a:latin typeface="Arial"/>
+            </a:endParaRPr>
+          </a:p>
+        </p:txBody>
+      </p:sp>
+      <p:sp>
+        <p:nvSpPr>
+          <p:cNvPr id="207" name="TextShape 2"/>
+          <p:cNvSpPr txBox="1"/>
+          <p:nvPr/>
+        </p:nvSpPr>
+        <p:spPr>
+          <a:xfrm>
+            <a:off x="504000" y="1296000"/>
+            <a:ext cx="9216000" cy="3673800"/>
+          </a:xfrm>
+          <a:prstGeom prst="rect">
+            <a:avLst/>
+          </a:prstGeom>
+          <a:noFill/>
+          <a:ln>
+            <a:noFill/>
+          </a:ln>
+        </p:spPr>
+        <p:txBody>
+          <a:bodyPr lIns="90000" rIns="90000" tIns="45000" bIns="45000">
+            <a:noAutofit/>
+          </a:bodyPr>
+          <a:p>
+            <a:r>
+              <a:rPr b="0" lang="it-IT" sz="1800" spc="-1" strike="noStrike">
+                <a:latin typeface="Arial"/>
+              </a:rPr>
+              <a:t>La sincronizzazione può aiutare a prevenire le </a:t>
+            </a:r>
+            <a:r>
+              <a:rPr b="1" lang="it-IT" sz="1800" spc="-1" strike="noStrike">
+                <a:latin typeface="Arial"/>
+              </a:rPr>
+              <a:t>race condition</a:t>
+            </a:r>
+            <a:r>
+              <a:rPr b="0" lang="it-IT" sz="1800" spc="-1" strike="noStrike">
+                <a:latin typeface="Arial"/>
+              </a:rPr>
+              <a:t>, ma introduce la possibilità di un altro tipo di errore, il </a:t>
+            </a:r>
+            <a:r>
+              <a:rPr b="1" lang="it-IT" sz="1800" spc="-1" strike="noStrike">
+                <a:latin typeface="Arial"/>
+              </a:rPr>
+              <a:t>deadlock</a:t>
+            </a:r>
+            <a:r>
+              <a:rPr b="0" lang="it-IT" sz="1800" spc="-1" strike="noStrike">
+                <a:latin typeface="Arial"/>
+              </a:rPr>
+              <a:t> o </a:t>
+            </a:r>
+            <a:r>
+              <a:rPr b="1" lang="it-IT" sz="1800" spc="-1" strike="noStrike">
+                <a:latin typeface="Arial"/>
+              </a:rPr>
+              <a:t>stallo</a:t>
+            </a:r>
+            <a:r>
+              <a:rPr b="0" lang="it-IT" sz="1800" spc="-1" strike="noStrike">
+                <a:latin typeface="Arial"/>
+              </a:rPr>
+              <a:t>. Un deadlock avviene quando un thread continua ad aspettare  una risorsa che non gli arriverà mai. </a:t>
+            </a:r>
+            <a:endParaRPr b="0" lang="it-IT" sz="1800" spc="-1" strike="noStrike">
+              <a:latin typeface="Arial"/>
+            </a:endParaRPr>
+          </a:p>
+          <a:p>
+            <a:endParaRPr b="0" lang="it-IT" sz="1800" spc="-1" strike="noStrike">
+              <a:latin typeface="Arial"/>
+            </a:endParaRPr>
+          </a:p>
+          <a:p>
+            <a:r>
+              <a:rPr b="0" lang="it-IT" sz="1800" spc="-1" strike="noStrike">
+                <a:latin typeface="Arial"/>
+              </a:rPr>
+              <a:t>In una cucina, un deadlock può succedere se due cuochi vogliono contemporaneamente misurare una tazza di latte. Il primo cuoco prende il misurino e il secondo cuoco prende il latte. Il primo cuoco ha bisogno del latte, ma non può averlo perché ce l'ha il secondo cuoco. Il secondo cuoco ha bisogno del misurino, ma non lo può ottenere perché ce l'ha il primo. </a:t>
+            </a:r>
+            <a:endParaRPr b="0" lang="it-IT" sz="1800" spc="-1" strike="noStrike">
+              <a:latin typeface="Arial"/>
+            </a:endParaRPr>
+          </a:p>
+          <a:p>
+            <a:endParaRPr b="0" lang="it-IT" sz="1800" spc="-1" strike="noStrike">
+              <a:latin typeface="Arial"/>
+            </a:endParaRPr>
+          </a:p>
+          <a:p>
+            <a:r>
+              <a:rPr b="0" lang="it-IT" sz="1800" spc="-1" strike="noStrike">
+                <a:latin typeface="Arial"/>
+              </a:rPr>
+              <a:t>Nessun cuoco può continuare e niente di più può essere fatto. Questo è il deadlock. </a:t>
+            </a:r>
+            <a:endParaRPr b="0" lang="it-IT" sz="1800" spc="-1" strike="noStrike">
+              <a:latin typeface="Arial"/>
+            </a:endParaRPr>
+          </a:p>
+        </p:txBody>
+      </p:sp>
+    </p:spTree>
+  </p:cSld>
+  <mc:AlternateContent>
+    <mc:Choice Requires="p14">
+      <p:transition spd="slow" p14:dur="2000"/>
+    </mc:Choice>
+    <mc:Fallback>
+      <p:transition spd="slow"/>
+    </mc:Fallback>
+  </mc:AlternateContent>
+</p:sld>
+</file>
+
+<file path=ppt/slides/slide18.xml><?xml version="1.0" encoding="utf-8"?>
+<p:sld xmlns:a="http://schemas.openxmlformats.org/drawingml/2006/main" xmlns:p="http://schemas.openxmlformats.org/presentationml/2006/main" xmlns:r="http://schemas.openxmlformats.org/officeDocument/2006/relationships" xmlns:p14="http://schemas.microsoft.com/office/powerpoint/2010/main" xmlns:p15="http://schemas.microsoft.com/office/powerpoint/2012/main" xmlns:mc="http://schemas.openxmlformats.org/markup-compatibility/2006">
+  <p:cSld>
+    <p:spTree>
+      <p:nvGrpSpPr>
+        <p:cNvPr id="1" name=""/>
+        <p:cNvGrpSpPr/>
+        <p:nvPr/>
+      </p:nvGrpSpPr>
+      <p:grpSpPr>
+        <a:xfrm>
+          <a:off x="0" y="0"/>
+          <a:ext cx="0" cy="0"/>
+          <a:chOff x="0" y="0"/>
+          <a:chExt cx="0" cy="0"/>
+        </a:xfrm>
+      </p:grpSpPr>
+      <p:sp>
+        <p:nvSpPr>
+          <p:cNvPr id="208" name="TextShape 1"/>
+          <p:cNvSpPr txBox="1"/>
+          <p:nvPr/>
+        </p:nvSpPr>
+        <p:spPr>
+          <a:xfrm>
+            <a:off x="504000" y="226080"/>
+            <a:ext cx="9070200" cy="944640"/>
+          </a:xfrm>
+          <a:prstGeom prst="rect">
+            <a:avLst/>
+          </a:prstGeom>
+          <a:noFill/>
+          <a:ln>
+            <a:noFill/>
+          </a:ln>
+        </p:spPr>
+        <p:txBody>
+          <a:bodyPr lIns="0" rIns="0" tIns="0" bIns="0" anchor="ctr">
+            <a:noAutofit/>
+          </a:bodyPr>
+          <a:p>
+            <a:pPr algn="ctr"/>
+            <a:r>
+              <a:rPr b="0" lang="it-IT" sz="4400" spc="-1" strike="noStrike">
+                <a:latin typeface="Arial"/>
+              </a:rPr>
+              <a:t>I Deadlock</a:t>
+            </a:r>
+            <a:endParaRPr b="0" lang="it-IT" sz="4400" spc="-1" strike="noStrike">
+              <a:latin typeface="Arial"/>
+            </a:endParaRPr>
+          </a:p>
+        </p:txBody>
+      </p:sp>
+      <p:sp>
+        <p:nvSpPr>
+          <p:cNvPr id="209" name="TextShape 2"/>
+          <p:cNvSpPr txBox="1"/>
+          <p:nvPr/>
+        </p:nvSpPr>
+        <p:spPr>
+          <a:xfrm>
+            <a:off x="648000" y="1080000"/>
+            <a:ext cx="9216000" cy="4032000"/>
+          </a:xfrm>
+          <a:prstGeom prst="rect">
+            <a:avLst/>
+          </a:prstGeom>
+          <a:noFill/>
+          <a:ln>
+            <a:noFill/>
+          </a:ln>
+        </p:spPr>
+        <p:txBody>
+          <a:bodyPr lIns="90000" rIns="90000" tIns="45000" bIns="45000">
+            <a:noAutofit/>
+          </a:bodyPr>
+          <a:p>
+            <a:r>
+              <a:rPr b="0" lang="it-IT" sz="1800" spc="-1" strike="noStrike">
+                <a:latin typeface="Arial"/>
+              </a:rPr>
+              <a:t>Esattamente la stessa cosa può succedere in un programma, per esempio se ci sono due thread (come i due cuochi) entrambi dei quali deve ottenere i lock su gli stessi due oggetti (come il latte e il misurino) prima che possano procedere. </a:t>
+            </a:r>
+            <a:endParaRPr b="0" lang="it-IT" sz="1800" spc="-1" strike="noStrike">
+              <a:latin typeface="Arial"/>
+            </a:endParaRPr>
+          </a:p>
+          <a:p>
+            <a:endParaRPr b="0" lang="it-IT" sz="1800" spc="-1" strike="noStrike">
+              <a:latin typeface="Arial"/>
+            </a:endParaRPr>
+          </a:p>
+          <a:p>
+            <a:r>
+              <a:rPr b="0" lang="it-IT" sz="1800" spc="-1" strike="noStrike">
+                <a:latin typeface="Arial"/>
+              </a:rPr>
+              <a:t>I deadlock possono capitare facilmente a meno che grande attenzione non è presa per evitarli.</a:t>
+            </a:r>
+            <a:endParaRPr b="0" lang="it-IT" sz="1800" spc="-1" strike="noStrike">
+              <a:latin typeface="Arial"/>
+            </a:endParaRPr>
+          </a:p>
+          <a:p>
+            <a:endParaRPr b="0" lang="it-IT" sz="1800" spc="-1" strike="noStrike">
+              <a:latin typeface="Arial"/>
+            </a:endParaRPr>
+          </a:p>
+          <a:p>
+            <a:r>
+              <a:rPr b="0" lang="it-IT" sz="1800" spc="-1" strike="noStrike">
+                <a:latin typeface="Arial"/>
+              </a:rPr>
+              <a:t>La situazione più elementare di deadlock si crea quando due thread t1 e t2 bloccano due risorse A e B e raggiungono una situazione nella quale t1 ha bloccato A e attende di bloccare B mentre t2 ha bloccato B e attende di bloccare A.</a:t>
+            </a:r>
+            <a:endParaRPr b="0" lang="it-IT" sz="1800" spc="-1" strike="noStrike">
+              <a:latin typeface="Arial"/>
+            </a:endParaRPr>
+          </a:p>
+          <a:p>
+            <a:endParaRPr b="0" lang="it-IT" sz="1800" spc="-1" strike="noStrike">
+              <a:latin typeface="Arial"/>
+            </a:endParaRPr>
+          </a:p>
+          <a:p>
+            <a:r>
+              <a:rPr b="0" lang="it-IT" sz="1800" spc="-1" strike="noStrike">
+                <a:latin typeface="Arial"/>
+              </a:rPr>
+              <a:t>Vedi </a:t>
+            </a:r>
+            <a:r>
+              <a:rPr b="0" lang="it-IT" sz="1800" spc="-1" strike="noStrike">
+                <a:latin typeface="Arial"/>
+                <a:hlinkClick r:id="rId1"/>
+              </a:rPr>
+              <a:t>Esempio Deadlock</a:t>
+            </a:r>
+            <a:r>
+              <a:rPr b="0" lang="it-IT" sz="1800" spc="-1" strike="noStrike">
+                <a:latin typeface="Arial"/>
+              </a:rPr>
+              <a:t>.</a:t>
             </a:r>
             <a:endParaRPr b="0" lang="it-IT" sz="1800" spc="-1" strike="noStrike">
               <a:latin typeface="Arial"/>
@@ -11336,7 +11683,7 @@
         <p:spPr>
           <a:xfrm>
             <a:off x="504000" y="226080"/>
-            <a:ext cx="9068040" cy="942840"/>
+            <a:ext cx="9067680" cy="942480"/>
           </a:xfrm>
           <a:prstGeom prst="rect">
             <a:avLst/>
@@ -11387,7 +11734,7 @@
         <p:spPr>
           <a:xfrm>
             <a:off x="504000" y="1326600"/>
-            <a:ext cx="3380400" cy="2989800"/>
+            <a:ext cx="3380040" cy="2989440"/>
           </a:xfrm>
           <a:prstGeom prst="rect">
             <a:avLst/>
@@ -11770,7 +12117,7 @@
         <p:spPr>
           <a:xfrm>
             <a:off x="3744000" y="1172520"/>
-            <a:ext cx="6188400" cy="4079880"/>
+            <a:ext cx="6188040" cy="4079520"/>
           </a:xfrm>
           <a:prstGeom prst="rect">
             <a:avLst/>
@@ -12131,7 +12478,7 @@
         <p:spPr>
           <a:xfrm>
             <a:off x="375120" y="216000"/>
-            <a:ext cx="7254360" cy="4112640"/>
+            <a:ext cx="7254000" cy="4112280"/>
           </a:xfrm>
           <a:prstGeom prst="rect">
             <a:avLst/>
@@ -12886,7 +13233,7 @@
         <p:spPr>
           <a:xfrm>
             <a:off x="216000" y="4176000"/>
-            <a:ext cx="9285480" cy="789480"/>
+            <a:ext cx="9285120" cy="789120"/>
           </a:xfrm>
           <a:prstGeom prst="rect">
             <a:avLst/>
@@ -13027,7 +13374,7 @@
         <p:spPr>
           <a:xfrm>
             <a:off x="144000" y="218520"/>
-            <a:ext cx="9789480" cy="3701520"/>
+            <a:ext cx="9789120" cy="3701160"/>
           </a:xfrm>
           <a:prstGeom prst="rect">
             <a:avLst/>
@@ -13787,7 +14134,7 @@
         <p:spPr>
           <a:xfrm>
             <a:off x="1224000" y="3960000"/>
-            <a:ext cx="5757480" cy="1111680"/>
+            <a:ext cx="5757120" cy="1111320"/>
           </a:xfrm>
           <a:prstGeom prst="rect">
             <a:avLst/>
@@ -13908,7 +14255,7 @@
         <p:spPr>
           <a:xfrm>
             <a:off x="144000" y="4824000"/>
-            <a:ext cx="8709480" cy="599760"/>
+            <a:ext cx="8709120" cy="599400"/>
           </a:xfrm>
           <a:prstGeom prst="rect">
             <a:avLst/>
@@ -13989,7 +14336,7 @@
         <p:spPr>
           <a:xfrm>
             <a:off x="504000" y="226080"/>
-            <a:ext cx="9068040" cy="942840"/>
+            <a:ext cx="9067680" cy="942480"/>
           </a:xfrm>
           <a:prstGeom prst="rect">
             <a:avLst/>
@@ -14015,7 +14362,7 @@
         <p:spPr>
           <a:xfrm>
             <a:off x="504000" y="1326600"/>
-            <a:ext cx="9068040" cy="3284640"/>
+            <a:ext cx="9067680" cy="3284280"/>
           </a:xfrm>
           <a:prstGeom prst="rect">
             <a:avLst/>
@@ -14041,7 +14388,7 @@
         <p:spPr>
           <a:xfrm>
             <a:off x="0" y="73440"/>
-            <a:ext cx="9723960" cy="5252760"/>
+            <a:ext cx="9723600" cy="5252400"/>
           </a:xfrm>
           <a:prstGeom prst="rect">
             <a:avLst/>
@@ -14614,7 +14961,7 @@
         <p:spPr>
           <a:xfrm>
             <a:off x="288000" y="360000"/>
-            <a:ext cx="9490680" cy="2230200"/>
+            <a:ext cx="9490320" cy="2229840"/>
           </a:xfrm>
           <a:prstGeom prst="rect">
             <a:avLst/>
@@ -14767,7 +15114,7 @@
         <p:spPr>
           <a:xfrm>
             <a:off x="504000" y="74160"/>
-            <a:ext cx="9068040" cy="1247040"/>
+            <a:ext cx="9067680" cy="1246680"/>
           </a:xfrm>
           <a:prstGeom prst="rect">
             <a:avLst/>
@@ -14818,7 +15165,7 @@
         <p:spPr>
           <a:xfrm>
             <a:off x="432000" y="1224000"/>
-            <a:ext cx="5036760" cy="3020760"/>
+            <a:ext cx="5036400" cy="3020400"/>
           </a:xfrm>
           <a:prstGeom prst="rect">
             <a:avLst/>
@@ -15221,7 +15568,7 @@
         <p:spPr>
           <a:xfrm>
             <a:off x="288000" y="4176000"/>
-            <a:ext cx="9429120" cy="1220760"/>
+            <a:ext cx="9428760" cy="1220400"/>
           </a:xfrm>
           <a:prstGeom prst="rect">
             <a:avLst/>
@@ -15322,7 +15669,7 @@
         <p:spPr>
           <a:xfrm>
             <a:off x="504000" y="74160"/>
-            <a:ext cx="9068040" cy="1247040"/>
+            <a:ext cx="9067680" cy="1246680"/>
           </a:xfrm>
           <a:prstGeom prst="rect">
             <a:avLst/>
@@ -15373,7 +15720,7 @@
         <p:spPr>
           <a:xfrm>
             <a:off x="432000" y="1224000"/>
-            <a:ext cx="5036760" cy="3020760"/>
+            <a:ext cx="5036400" cy="3020400"/>
           </a:xfrm>
           <a:prstGeom prst="rect">
             <a:avLst/>
@@ -15776,7 +16123,7 @@
         <p:spPr>
           <a:xfrm>
             <a:off x="273240" y="3960000"/>
-            <a:ext cx="9429120" cy="1220760"/>
+            <a:ext cx="9428760" cy="1220400"/>
           </a:xfrm>
           <a:prstGeom prst="rect">
             <a:avLst/>
@@ -15857,7 +16204,7 @@
         <p:spPr>
           <a:xfrm>
             <a:off x="1337400" y="209160"/>
-            <a:ext cx="9068040" cy="1247040"/>
+            <a:ext cx="9067680" cy="1246680"/>
           </a:xfrm>
           <a:prstGeom prst="rect">
             <a:avLst/>
@@ -15908,7 +16255,7 @@
         <p:spPr>
           <a:xfrm>
             <a:off x="504000" y="1368000"/>
-            <a:ext cx="5036760" cy="860760"/>
+            <a:ext cx="5036400" cy="860400"/>
           </a:xfrm>
           <a:prstGeom prst="rect">
             <a:avLst/>
@@ -16009,7 +16356,7 @@
         <p:spPr>
           <a:xfrm>
             <a:off x="216000" y="2160000"/>
-            <a:ext cx="9644760" cy="3236760"/>
+            <a:ext cx="9644400" cy="3236400"/>
           </a:xfrm>
           <a:prstGeom prst="rect">
             <a:avLst/>
@@ -16160,7 +16507,7 @@
         <p:spPr>
           <a:xfrm>
             <a:off x="3168000" y="3024000"/>
-            <a:ext cx="5036760" cy="1436760"/>
+            <a:ext cx="5036400" cy="1436400"/>
           </a:xfrm>
           <a:prstGeom prst="rect">
             <a:avLst/>
